--- a/GitHubTraining.pptx
+++ b/GitHubTraining.pptx
@@ -5,14 +5,15 @@
     <p:sldMasterId id="2147483660" r:id="rId1"/>
   </p:sldMasterIdLst>
   <p:notesMasterIdLst>
-    <p:notesMasterId r:id="rId7"/>
+    <p:notesMasterId r:id="rId8"/>
   </p:notesMasterIdLst>
   <p:sldIdLst>
     <p:sldId id="2561" r:id="rId2"/>
     <p:sldId id="2563" r:id="rId3"/>
     <p:sldId id="2564" r:id="rId4"/>
     <p:sldId id="2565" r:id="rId5"/>
-    <p:sldId id="2573" r:id="rId6"/>
+    <p:sldId id="2575" r:id="rId6"/>
+    <p:sldId id="2573" r:id="rId7"/>
   </p:sldIdLst>
   <p:sldSz cx="12192000" cy="6858000"/>
   <p:notesSz cx="6858000" cy="9144000"/>
@@ -111,7 +112,2397 @@
       </a:defRPr>
     </a:lvl9pPr>
   </p:defaultTextStyle>
+  <p:extLst>
+    <p:ext uri="{EFAFB233-063F-42B5-8137-9DF3F51BA10A}">
+      <p15:sldGuideLst xmlns:p15="http://schemas.microsoft.com/office/powerpoint/2012/main"/>
+    </p:ext>
+  </p:extLst>
 </p:presentation>
+</file>
+
+<file path=ppt/diagrams/colors1.xml><?xml version="1.0" encoding="utf-8"?>
+<dgm:colorsDef xmlns:dgm="http://schemas.openxmlformats.org/drawingml/2006/diagram" xmlns:a="http://schemas.openxmlformats.org/drawingml/2006/main" uniqueId="urn:microsoft.com/office/officeart/2005/8/colors/accent1_2">
+  <dgm:title val=""/>
+  <dgm:desc val=""/>
+  <dgm:catLst>
+    <dgm:cat type="accent1" pri="11200"/>
+  </dgm:catLst>
+  <dgm:styleLbl name="node0">
+    <dgm:fillClrLst meth="repeat">
+      <a:schemeClr val="accent1"/>
+    </dgm:fillClrLst>
+    <dgm:linClrLst meth="repeat">
+      <a:schemeClr val="lt1"/>
+    </dgm:linClrLst>
+    <dgm:effectClrLst/>
+    <dgm:txLinClrLst/>
+    <dgm:txFillClrLst/>
+    <dgm:txEffectClrLst/>
+  </dgm:styleLbl>
+  <dgm:styleLbl name="alignNode1">
+    <dgm:fillClrLst meth="repeat">
+      <a:schemeClr val="accent1"/>
+    </dgm:fillClrLst>
+    <dgm:linClrLst meth="repeat">
+      <a:schemeClr val="accent1"/>
+    </dgm:linClrLst>
+    <dgm:effectClrLst/>
+    <dgm:txLinClrLst/>
+    <dgm:txFillClrLst/>
+    <dgm:txEffectClrLst/>
+  </dgm:styleLbl>
+  <dgm:styleLbl name="node1">
+    <dgm:fillClrLst meth="repeat">
+      <a:schemeClr val="accent1"/>
+    </dgm:fillClrLst>
+    <dgm:linClrLst meth="repeat">
+      <a:schemeClr val="lt1"/>
+    </dgm:linClrLst>
+    <dgm:effectClrLst/>
+    <dgm:txLinClrLst/>
+    <dgm:txFillClrLst/>
+    <dgm:txEffectClrLst/>
+  </dgm:styleLbl>
+  <dgm:styleLbl name="lnNode1">
+    <dgm:fillClrLst meth="repeat">
+      <a:schemeClr val="accent1"/>
+    </dgm:fillClrLst>
+    <dgm:linClrLst meth="repeat">
+      <a:schemeClr val="lt1"/>
+    </dgm:linClrLst>
+    <dgm:effectClrLst/>
+    <dgm:txLinClrLst/>
+    <dgm:txFillClrLst/>
+    <dgm:txEffectClrLst/>
+  </dgm:styleLbl>
+  <dgm:styleLbl name="vennNode1">
+    <dgm:fillClrLst meth="repeat">
+      <a:schemeClr val="accent1">
+        <a:alpha val="50000"/>
+      </a:schemeClr>
+    </dgm:fillClrLst>
+    <dgm:linClrLst meth="repeat">
+      <a:schemeClr val="lt1"/>
+    </dgm:linClrLst>
+    <dgm:effectClrLst/>
+    <dgm:txLinClrLst/>
+    <dgm:txFillClrLst/>
+    <dgm:txEffectClrLst/>
+  </dgm:styleLbl>
+  <dgm:styleLbl name="node2">
+    <dgm:fillClrLst meth="repeat">
+      <a:schemeClr val="accent1"/>
+    </dgm:fillClrLst>
+    <dgm:linClrLst meth="repeat">
+      <a:schemeClr val="lt1"/>
+    </dgm:linClrLst>
+    <dgm:effectClrLst/>
+    <dgm:txLinClrLst/>
+    <dgm:txFillClrLst/>
+    <dgm:txEffectClrLst/>
+  </dgm:styleLbl>
+  <dgm:styleLbl name="node3">
+    <dgm:fillClrLst meth="repeat">
+      <a:schemeClr val="accent1"/>
+    </dgm:fillClrLst>
+    <dgm:linClrLst meth="repeat">
+      <a:schemeClr val="lt1"/>
+    </dgm:linClrLst>
+    <dgm:effectClrLst/>
+    <dgm:txLinClrLst/>
+    <dgm:txFillClrLst/>
+    <dgm:txEffectClrLst/>
+  </dgm:styleLbl>
+  <dgm:styleLbl name="node4">
+    <dgm:fillClrLst meth="repeat">
+      <a:schemeClr val="accent1"/>
+    </dgm:fillClrLst>
+    <dgm:linClrLst meth="repeat">
+      <a:schemeClr val="lt1"/>
+    </dgm:linClrLst>
+    <dgm:effectClrLst/>
+    <dgm:txLinClrLst/>
+    <dgm:txFillClrLst/>
+    <dgm:txEffectClrLst/>
+  </dgm:styleLbl>
+  <dgm:styleLbl name="fgImgPlace1">
+    <dgm:fillClrLst meth="repeat">
+      <a:schemeClr val="accent1">
+        <a:tint val="50000"/>
+      </a:schemeClr>
+    </dgm:fillClrLst>
+    <dgm:linClrLst meth="repeat">
+      <a:schemeClr val="lt1"/>
+    </dgm:linClrLst>
+    <dgm:effectClrLst/>
+    <dgm:txLinClrLst/>
+    <dgm:txFillClrLst meth="repeat">
+      <a:schemeClr val="lt1"/>
+    </dgm:txFillClrLst>
+    <dgm:txEffectClrLst/>
+  </dgm:styleLbl>
+  <dgm:styleLbl name="alignImgPlace1">
+    <dgm:fillClrLst meth="repeat">
+      <a:schemeClr val="accent1">
+        <a:tint val="50000"/>
+      </a:schemeClr>
+    </dgm:fillClrLst>
+    <dgm:linClrLst meth="repeat">
+      <a:schemeClr val="lt1"/>
+    </dgm:linClrLst>
+    <dgm:effectClrLst/>
+    <dgm:txLinClrLst/>
+    <dgm:txFillClrLst meth="repeat">
+      <a:schemeClr val="lt1"/>
+    </dgm:txFillClrLst>
+    <dgm:txEffectClrLst/>
+  </dgm:styleLbl>
+  <dgm:styleLbl name="bgImgPlace1">
+    <dgm:fillClrLst meth="repeat">
+      <a:schemeClr val="accent1">
+        <a:tint val="50000"/>
+      </a:schemeClr>
+    </dgm:fillClrLst>
+    <dgm:linClrLst meth="repeat">
+      <a:schemeClr val="lt1"/>
+    </dgm:linClrLst>
+    <dgm:effectClrLst/>
+    <dgm:txLinClrLst/>
+    <dgm:txFillClrLst meth="repeat">
+      <a:schemeClr val="lt1"/>
+    </dgm:txFillClrLst>
+    <dgm:txEffectClrLst/>
+  </dgm:styleLbl>
+  <dgm:styleLbl name="sibTrans2D1">
+    <dgm:fillClrLst meth="repeat">
+      <a:schemeClr val="accent1">
+        <a:tint val="60000"/>
+      </a:schemeClr>
+    </dgm:fillClrLst>
+    <dgm:linClrLst meth="repeat">
+      <a:schemeClr val="accent1">
+        <a:tint val="60000"/>
+      </a:schemeClr>
+    </dgm:linClrLst>
+    <dgm:effectClrLst/>
+    <dgm:txLinClrLst/>
+    <dgm:txFillClrLst/>
+    <dgm:txEffectClrLst/>
+  </dgm:styleLbl>
+  <dgm:styleLbl name="fgSibTrans2D1">
+    <dgm:fillClrLst meth="repeat">
+      <a:schemeClr val="accent1">
+        <a:tint val="60000"/>
+      </a:schemeClr>
+    </dgm:fillClrLst>
+    <dgm:linClrLst meth="repeat">
+      <a:schemeClr val="accent1">
+        <a:tint val="60000"/>
+      </a:schemeClr>
+    </dgm:linClrLst>
+    <dgm:effectClrLst/>
+    <dgm:txLinClrLst/>
+    <dgm:txFillClrLst/>
+    <dgm:txEffectClrLst/>
+  </dgm:styleLbl>
+  <dgm:styleLbl name="bgSibTrans2D1">
+    <dgm:fillClrLst meth="repeat">
+      <a:schemeClr val="accent1">
+        <a:tint val="60000"/>
+      </a:schemeClr>
+    </dgm:fillClrLst>
+    <dgm:linClrLst meth="repeat">
+      <a:schemeClr val="accent1">
+        <a:tint val="60000"/>
+      </a:schemeClr>
+    </dgm:linClrLst>
+    <dgm:effectClrLst/>
+    <dgm:txLinClrLst/>
+    <dgm:txFillClrLst/>
+    <dgm:txEffectClrLst/>
+  </dgm:styleLbl>
+  <dgm:styleLbl name="sibTrans1D1">
+    <dgm:fillClrLst meth="repeat">
+      <a:schemeClr val="accent1"/>
+    </dgm:fillClrLst>
+    <dgm:linClrLst meth="repeat">
+      <a:schemeClr val="accent1"/>
+    </dgm:linClrLst>
+    <dgm:effectClrLst/>
+    <dgm:txLinClrLst/>
+    <dgm:txFillClrLst meth="repeat">
+      <a:schemeClr val="tx1"/>
+    </dgm:txFillClrLst>
+    <dgm:txEffectClrLst/>
+  </dgm:styleLbl>
+  <dgm:styleLbl name="callout">
+    <dgm:fillClrLst meth="repeat">
+      <a:schemeClr val="accent1"/>
+    </dgm:fillClrLst>
+    <dgm:linClrLst meth="repeat">
+      <a:schemeClr val="accent1">
+        <a:tint val="50000"/>
+      </a:schemeClr>
+    </dgm:linClrLst>
+    <dgm:effectClrLst/>
+    <dgm:txLinClrLst/>
+    <dgm:txFillClrLst meth="repeat">
+      <a:schemeClr val="tx1"/>
+    </dgm:txFillClrLst>
+    <dgm:txEffectClrLst/>
+  </dgm:styleLbl>
+  <dgm:styleLbl name="asst0">
+    <dgm:fillClrLst meth="repeat">
+      <a:schemeClr val="accent1"/>
+    </dgm:fillClrLst>
+    <dgm:linClrLst meth="repeat">
+      <a:schemeClr val="lt1"/>
+    </dgm:linClrLst>
+    <dgm:effectClrLst/>
+    <dgm:txLinClrLst/>
+    <dgm:txFillClrLst/>
+    <dgm:txEffectClrLst/>
+  </dgm:styleLbl>
+  <dgm:styleLbl name="asst1">
+    <dgm:fillClrLst meth="repeat">
+      <a:schemeClr val="accent1"/>
+    </dgm:fillClrLst>
+    <dgm:linClrLst meth="repeat">
+      <a:schemeClr val="lt1"/>
+    </dgm:linClrLst>
+    <dgm:effectClrLst/>
+    <dgm:txLinClrLst/>
+    <dgm:txFillClrLst/>
+    <dgm:txEffectClrLst/>
+  </dgm:styleLbl>
+  <dgm:styleLbl name="asst2">
+    <dgm:fillClrLst meth="repeat">
+      <a:schemeClr val="accent1"/>
+    </dgm:fillClrLst>
+    <dgm:linClrLst meth="repeat">
+      <a:schemeClr val="lt1"/>
+    </dgm:linClrLst>
+    <dgm:effectClrLst/>
+    <dgm:txLinClrLst/>
+    <dgm:txFillClrLst/>
+    <dgm:txEffectClrLst/>
+  </dgm:styleLbl>
+  <dgm:styleLbl name="asst3">
+    <dgm:fillClrLst meth="repeat">
+      <a:schemeClr val="accent1"/>
+    </dgm:fillClrLst>
+    <dgm:linClrLst meth="repeat">
+      <a:schemeClr val="lt1"/>
+    </dgm:linClrLst>
+    <dgm:effectClrLst/>
+    <dgm:txLinClrLst/>
+    <dgm:txFillClrLst/>
+    <dgm:txEffectClrLst/>
+  </dgm:styleLbl>
+  <dgm:styleLbl name="asst4">
+    <dgm:fillClrLst meth="repeat">
+      <a:schemeClr val="accent1"/>
+    </dgm:fillClrLst>
+    <dgm:linClrLst meth="repeat">
+      <a:schemeClr val="lt1"/>
+    </dgm:linClrLst>
+    <dgm:effectClrLst/>
+    <dgm:txLinClrLst/>
+    <dgm:txFillClrLst/>
+    <dgm:txEffectClrLst/>
+  </dgm:styleLbl>
+  <dgm:styleLbl name="parChTrans2D1">
+    <dgm:fillClrLst meth="repeat">
+      <a:schemeClr val="accent1">
+        <a:tint val="60000"/>
+      </a:schemeClr>
+    </dgm:fillClrLst>
+    <dgm:linClrLst meth="repeat">
+      <a:schemeClr val="accent1">
+        <a:tint val="60000"/>
+      </a:schemeClr>
+    </dgm:linClrLst>
+    <dgm:effectClrLst/>
+    <dgm:txLinClrLst/>
+    <dgm:txFillClrLst meth="repeat">
+      <a:schemeClr val="lt1"/>
+    </dgm:txFillClrLst>
+    <dgm:txEffectClrLst/>
+  </dgm:styleLbl>
+  <dgm:styleLbl name="parChTrans2D2">
+    <dgm:fillClrLst meth="repeat">
+      <a:schemeClr val="accent1"/>
+    </dgm:fillClrLst>
+    <dgm:linClrLst meth="repeat">
+      <a:schemeClr val="accent1"/>
+    </dgm:linClrLst>
+    <dgm:effectClrLst/>
+    <dgm:txLinClrLst/>
+    <dgm:txFillClrLst meth="repeat">
+      <a:schemeClr val="lt1"/>
+    </dgm:txFillClrLst>
+    <dgm:txEffectClrLst/>
+  </dgm:styleLbl>
+  <dgm:styleLbl name="parChTrans2D3">
+    <dgm:fillClrLst meth="repeat">
+      <a:schemeClr val="accent1"/>
+    </dgm:fillClrLst>
+    <dgm:linClrLst meth="repeat">
+      <a:schemeClr val="accent1"/>
+    </dgm:linClrLst>
+    <dgm:effectClrLst/>
+    <dgm:txLinClrLst/>
+    <dgm:txFillClrLst meth="repeat">
+      <a:schemeClr val="lt1"/>
+    </dgm:txFillClrLst>
+    <dgm:txEffectClrLst/>
+  </dgm:styleLbl>
+  <dgm:styleLbl name="parChTrans2D4">
+    <dgm:fillClrLst meth="repeat">
+      <a:schemeClr val="accent1"/>
+    </dgm:fillClrLst>
+    <dgm:linClrLst meth="repeat">
+      <a:schemeClr val="accent1"/>
+    </dgm:linClrLst>
+    <dgm:effectClrLst/>
+    <dgm:txLinClrLst/>
+    <dgm:txFillClrLst meth="repeat">
+      <a:schemeClr val="lt1"/>
+    </dgm:txFillClrLst>
+    <dgm:txEffectClrLst/>
+  </dgm:styleLbl>
+  <dgm:styleLbl name="parChTrans1D1">
+    <dgm:fillClrLst meth="repeat">
+      <a:schemeClr val="accent1"/>
+    </dgm:fillClrLst>
+    <dgm:linClrLst meth="repeat">
+      <a:schemeClr val="accent1">
+        <a:shade val="60000"/>
+      </a:schemeClr>
+    </dgm:linClrLst>
+    <dgm:effectClrLst/>
+    <dgm:txLinClrLst/>
+    <dgm:txFillClrLst meth="repeat">
+      <a:schemeClr val="tx1"/>
+    </dgm:txFillClrLst>
+    <dgm:txEffectClrLst/>
+  </dgm:styleLbl>
+  <dgm:styleLbl name="parChTrans1D2">
+    <dgm:fillClrLst meth="repeat">
+      <a:schemeClr val="accent1"/>
+    </dgm:fillClrLst>
+    <dgm:linClrLst meth="repeat">
+      <a:schemeClr val="accent1">
+        <a:shade val="60000"/>
+      </a:schemeClr>
+    </dgm:linClrLst>
+    <dgm:effectClrLst/>
+    <dgm:txLinClrLst/>
+    <dgm:txFillClrLst meth="repeat">
+      <a:schemeClr val="tx1"/>
+    </dgm:txFillClrLst>
+    <dgm:txEffectClrLst/>
+  </dgm:styleLbl>
+  <dgm:styleLbl name="parChTrans1D3">
+    <dgm:fillClrLst meth="repeat">
+      <a:schemeClr val="accent1"/>
+    </dgm:fillClrLst>
+    <dgm:linClrLst meth="repeat">
+      <a:schemeClr val="accent1">
+        <a:shade val="80000"/>
+      </a:schemeClr>
+    </dgm:linClrLst>
+    <dgm:effectClrLst/>
+    <dgm:txLinClrLst/>
+    <dgm:txFillClrLst meth="repeat">
+      <a:schemeClr val="tx1"/>
+    </dgm:txFillClrLst>
+    <dgm:txEffectClrLst/>
+  </dgm:styleLbl>
+  <dgm:styleLbl name="parChTrans1D4">
+    <dgm:fillClrLst meth="repeat">
+      <a:schemeClr val="accent1"/>
+    </dgm:fillClrLst>
+    <dgm:linClrLst meth="repeat">
+      <a:schemeClr val="accent1">
+        <a:shade val="80000"/>
+      </a:schemeClr>
+    </dgm:linClrLst>
+    <dgm:effectClrLst/>
+    <dgm:txLinClrLst/>
+    <dgm:txFillClrLst meth="repeat">
+      <a:schemeClr val="tx1"/>
+    </dgm:txFillClrLst>
+    <dgm:txEffectClrLst/>
+  </dgm:styleLbl>
+  <dgm:styleLbl name="fgAcc1">
+    <dgm:fillClrLst meth="repeat">
+      <a:schemeClr val="lt1">
+        <a:alpha val="90000"/>
+      </a:schemeClr>
+    </dgm:fillClrLst>
+    <dgm:linClrLst meth="repeat">
+      <a:schemeClr val="accent1"/>
+    </dgm:linClrLst>
+    <dgm:effectClrLst/>
+    <dgm:txLinClrLst/>
+    <dgm:txFillClrLst meth="repeat">
+      <a:schemeClr val="dk1"/>
+    </dgm:txFillClrLst>
+    <dgm:txEffectClrLst/>
+  </dgm:styleLbl>
+  <dgm:styleLbl name="conFgAcc1">
+    <dgm:fillClrLst meth="repeat">
+      <a:schemeClr val="lt1">
+        <a:alpha val="90000"/>
+      </a:schemeClr>
+    </dgm:fillClrLst>
+    <dgm:linClrLst meth="repeat">
+      <a:schemeClr val="accent1"/>
+    </dgm:linClrLst>
+    <dgm:effectClrLst/>
+    <dgm:txLinClrLst/>
+    <dgm:txFillClrLst meth="repeat">
+      <a:schemeClr val="dk1"/>
+    </dgm:txFillClrLst>
+    <dgm:txEffectClrLst/>
+  </dgm:styleLbl>
+  <dgm:styleLbl name="alignAcc1">
+    <dgm:fillClrLst meth="repeat">
+      <a:schemeClr val="lt1">
+        <a:alpha val="90000"/>
+      </a:schemeClr>
+    </dgm:fillClrLst>
+    <dgm:linClrLst meth="repeat">
+      <a:schemeClr val="accent1"/>
+    </dgm:linClrLst>
+    <dgm:effectClrLst/>
+    <dgm:txLinClrLst/>
+    <dgm:txFillClrLst meth="repeat">
+      <a:schemeClr val="dk1"/>
+    </dgm:txFillClrLst>
+    <dgm:txEffectClrLst/>
+  </dgm:styleLbl>
+  <dgm:styleLbl name="trAlignAcc1">
+    <dgm:fillClrLst meth="repeat">
+      <a:schemeClr val="lt1">
+        <a:alpha val="40000"/>
+      </a:schemeClr>
+    </dgm:fillClrLst>
+    <dgm:linClrLst meth="repeat">
+      <a:schemeClr val="accent1"/>
+    </dgm:linClrLst>
+    <dgm:effectClrLst/>
+    <dgm:txLinClrLst/>
+    <dgm:txFillClrLst meth="repeat">
+      <a:schemeClr val="dk1"/>
+    </dgm:txFillClrLst>
+    <dgm:txEffectClrLst/>
+  </dgm:styleLbl>
+  <dgm:styleLbl name="bgAcc1">
+    <dgm:fillClrLst meth="repeat">
+      <a:schemeClr val="lt1">
+        <a:alpha val="90000"/>
+      </a:schemeClr>
+    </dgm:fillClrLst>
+    <dgm:linClrLst meth="repeat">
+      <a:schemeClr val="accent1"/>
+    </dgm:linClrLst>
+    <dgm:effectClrLst/>
+    <dgm:txLinClrLst/>
+    <dgm:txFillClrLst meth="repeat">
+      <a:schemeClr val="dk1"/>
+    </dgm:txFillClrLst>
+    <dgm:txEffectClrLst/>
+  </dgm:styleLbl>
+  <dgm:styleLbl name="solidFgAcc1">
+    <dgm:fillClrLst meth="repeat">
+      <a:schemeClr val="lt1"/>
+    </dgm:fillClrLst>
+    <dgm:linClrLst meth="repeat">
+      <a:schemeClr val="accent1"/>
+    </dgm:linClrLst>
+    <dgm:effectClrLst/>
+    <dgm:txLinClrLst/>
+    <dgm:txFillClrLst meth="repeat">
+      <a:schemeClr val="dk1"/>
+    </dgm:txFillClrLst>
+    <dgm:txEffectClrLst/>
+  </dgm:styleLbl>
+  <dgm:styleLbl name="solidAlignAcc1">
+    <dgm:fillClrLst meth="repeat">
+      <a:schemeClr val="lt1"/>
+    </dgm:fillClrLst>
+    <dgm:linClrLst meth="repeat">
+      <a:schemeClr val="accent1"/>
+    </dgm:linClrLst>
+    <dgm:effectClrLst/>
+    <dgm:txLinClrLst/>
+    <dgm:txFillClrLst meth="repeat">
+      <a:schemeClr val="dk1"/>
+    </dgm:txFillClrLst>
+    <dgm:txEffectClrLst/>
+  </dgm:styleLbl>
+  <dgm:styleLbl name="solidBgAcc1">
+    <dgm:fillClrLst meth="repeat">
+      <a:schemeClr val="lt1"/>
+    </dgm:fillClrLst>
+    <dgm:linClrLst meth="repeat">
+      <a:schemeClr val="accent1"/>
+    </dgm:linClrLst>
+    <dgm:effectClrLst/>
+    <dgm:txLinClrLst/>
+    <dgm:txFillClrLst meth="repeat">
+      <a:schemeClr val="dk1"/>
+    </dgm:txFillClrLst>
+    <dgm:txEffectClrLst/>
+  </dgm:styleLbl>
+  <dgm:styleLbl name="fgAccFollowNode1">
+    <dgm:fillClrLst meth="repeat">
+      <a:schemeClr val="accent1">
+        <a:alpha val="90000"/>
+        <a:tint val="40000"/>
+      </a:schemeClr>
+    </dgm:fillClrLst>
+    <dgm:linClrLst meth="repeat">
+      <a:schemeClr val="accent1">
+        <a:alpha val="90000"/>
+        <a:tint val="40000"/>
+      </a:schemeClr>
+    </dgm:linClrLst>
+    <dgm:effectClrLst/>
+    <dgm:txLinClrLst/>
+    <dgm:txFillClrLst meth="repeat">
+      <a:schemeClr val="dk1"/>
+    </dgm:txFillClrLst>
+    <dgm:txEffectClrLst/>
+  </dgm:styleLbl>
+  <dgm:styleLbl name="alignAccFollowNode1">
+    <dgm:fillClrLst meth="repeat">
+      <a:schemeClr val="accent1">
+        <a:alpha val="90000"/>
+        <a:tint val="40000"/>
+      </a:schemeClr>
+    </dgm:fillClrLst>
+    <dgm:linClrLst meth="repeat">
+      <a:schemeClr val="accent1">
+        <a:alpha val="90000"/>
+        <a:tint val="40000"/>
+      </a:schemeClr>
+    </dgm:linClrLst>
+    <dgm:effectClrLst/>
+    <dgm:txLinClrLst/>
+    <dgm:txFillClrLst meth="repeat">
+      <a:schemeClr val="dk1"/>
+    </dgm:txFillClrLst>
+    <dgm:txEffectClrLst/>
+  </dgm:styleLbl>
+  <dgm:styleLbl name="bgAccFollowNode1">
+    <dgm:fillClrLst meth="repeat">
+      <a:schemeClr val="accent1">
+        <a:alpha val="90000"/>
+        <a:tint val="40000"/>
+      </a:schemeClr>
+    </dgm:fillClrLst>
+    <dgm:linClrLst meth="repeat">
+      <a:schemeClr val="accent1">
+        <a:alpha val="90000"/>
+        <a:tint val="40000"/>
+      </a:schemeClr>
+    </dgm:linClrLst>
+    <dgm:effectClrLst/>
+    <dgm:txLinClrLst/>
+    <dgm:txFillClrLst meth="repeat">
+      <a:schemeClr val="dk1"/>
+    </dgm:txFillClrLst>
+    <dgm:txEffectClrLst/>
+  </dgm:styleLbl>
+  <dgm:styleLbl name="fgAcc0">
+    <dgm:fillClrLst meth="repeat">
+      <a:schemeClr val="lt1">
+        <a:alpha val="90000"/>
+      </a:schemeClr>
+    </dgm:fillClrLst>
+    <dgm:linClrLst meth="repeat">
+      <a:schemeClr val="accent1"/>
+    </dgm:linClrLst>
+    <dgm:effectClrLst/>
+    <dgm:txLinClrLst/>
+    <dgm:txFillClrLst meth="repeat">
+      <a:schemeClr val="dk1"/>
+    </dgm:txFillClrLst>
+    <dgm:txEffectClrLst/>
+  </dgm:styleLbl>
+  <dgm:styleLbl name="fgAcc2">
+    <dgm:fillClrLst meth="repeat">
+      <a:schemeClr val="lt1">
+        <a:alpha val="90000"/>
+      </a:schemeClr>
+    </dgm:fillClrLst>
+    <dgm:linClrLst meth="repeat">
+      <a:schemeClr val="accent1"/>
+    </dgm:linClrLst>
+    <dgm:effectClrLst/>
+    <dgm:txLinClrLst/>
+    <dgm:txFillClrLst meth="repeat">
+      <a:schemeClr val="dk1"/>
+    </dgm:txFillClrLst>
+    <dgm:txEffectClrLst/>
+  </dgm:styleLbl>
+  <dgm:styleLbl name="fgAcc3">
+    <dgm:fillClrLst meth="repeat">
+      <a:schemeClr val="lt1">
+        <a:alpha val="90000"/>
+      </a:schemeClr>
+    </dgm:fillClrLst>
+    <dgm:linClrLst meth="repeat">
+      <a:schemeClr val="accent1"/>
+    </dgm:linClrLst>
+    <dgm:effectClrLst/>
+    <dgm:txLinClrLst/>
+    <dgm:txFillClrLst meth="repeat">
+      <a:schemeClr val="dk1"/>
+    </dgm:txFillClrLst>
+    <dgm:txEffectClrLst/>
+  </dgm:styleLbl>
+  <dgm:styleLbl name="fgAcc4">
+    <dgm:fillClrLst meth="repeat">
+      <a:schemeClr val="lt1">
+        <a:alpha val="90000"/>
+      </a:schemeClr>
+    </dgm:fillClrLst>
+    <dgm:linClrLst meth="repeat">
+      <a:schemeClr val="accent1"/>
+    </dgm:linClrLst>
+    <dgm:effectClrLst/>
+    <dgm:txLinClrLst/>
+    <dgm:txFillClrLst meth="repeat">
+      <a:schemeClr val="dk1"/>
+    </dgm:txFillClrLst>
+    <dgm:txEffectClrLst/>
+  </dgm:styleLbl>
+  <dgm:styleLbl name="bgShp">
+    <dgm:fillClrLst meth="repeat">
+      <a:schemeClr val="accent1">
+        <a:tint val="40000"/>
+      </a:schemeClr>
+    </dgm:fillClrLst>
+    <dgm:linClrLst meth="repeat">
+      <a:schemeClr val="accent1"/>
+    </dgm:linClrLst>
+    <dgm:effectClrLst/>
+    <dgm:txLinClrLst/>
+    <dgm:txFillClrLst meth="repeat">
+      <a:schemeClr val="dk1"/>
+    </dgm:txFillClrLst>
+    <dgm:txEffectClrLst/>
+  </dgm:styleLbl>
+  <dgm:styleLbl name="dkBgShp">
+    <dgm:fillClrLst meth="repeat">
+      <a:schemeClr val="accent1">
+        <a:shade val="80000"/>
+      </a:schemeClr>
+    </dgm:fillClrLst>
+    <dgm:linClrLst meth="repeat">
+      <a:schemeClr val="accent1"/>
+    </dgm:linClrLst>
+    <dgm:effectClrLst/>
+    <dgm:txLinClrLst/>
+    <dgm:txFillClrLst meth="repeat">
+      <a:schemeClr val="lt1"/>
+    </dgm:txFillClrLst>
+    <dgm:txEffectClrLst/>
+  </dgm:styleLbl>
+  <dgm:styleLbl name="trBgShp">
+    <dgm:fillClrLst meth="repeat">
+      <a:schemeClr val="accent1">
+        <a:tint val="50000"/>
+        <a:alpha val="40000"/>
+      </a:schemeClr>
+    </dgm:fillClrLst>
+    <dgm:linClrLst meth="repeat">
+      <a:schemeClr val="accent1"/>
+    </dgm:linClrLst>
+    <dgm:effectClrLst/>
+    <dgm:txLinClrLst/>
+    <dgm:txFillClrLst meth="repeat">
+      <a:schemeClr val="lt1"/>
+    </dgm:txFillClrLst>
+    <dgm:txEffectClrLst/>
+  </dgm:styleLbl>
+  <dgm:styleLbl name="fgShp">
+    <dgm:fillClrLst meth="repeat">
+      <a:schemeClr val="accent1">
+        <a:tint val="60000"/>
+      </a:schemeClr>
+    </dgm:fillClrLst>
+    <dgm:linClrLst meth="repeat">
+      <a:schemeClr val="lt1"/>
+    </dgm:linClrLst>
+    <dgm:effectClrLst/>
+    <dgm:txLinClrLst/>
+    <dgm:txFillClrLst meth="repeat">
+      <a:schemeClr val="dk1"/>
+    </dgm:txFillClrLst>
+    <dgm:txEffectClrLst/>
+  </dgm:styleLbl>
+  <dgm:styleLbl name="revTx">
+    <dgm:fillClrLst meth="repeat">
+      <a:schemeClr val="lt1">
+        <a:alpha val="0"/>
+      </a:schemeClr>
+    </dgm:fillClrLst>
+    <dgm:linClrLst meth="repeat">
+      <a:schemeClr val="dk1">
+        <a:alpha val="0"/>
+      </a:schemeClr>
+    </dgm:linClrLst>
+    <dgm:effectClrLst/>
+    <dgm:txLinClrLst/>
+    <dgm:txFillClrLst meth="repeat">
+      <a:schemeClr val="tx1"/>
+    </dgm:txFillClrLst>
+    <dgm:txEffectClrLst/>
+  </dgm:styleLbl>
+</dgm:colorsDef>
+</file>
+
+<file path=ppt/diagrams/data1.xml><?xml version="1.0" encoding="utf-8"?>
+<dgm:dataModel xmlns:dgm="http://schemas.openxmlformats.org/drawingml/2006/diagram" xmlns:a="http://schemas.openxmlformats.org/drawingml/2006/main">
+  <dgm:ptLst>
+    <dgm:pt modelId="{5965450C-B975-44C1-9183-6897ED95D1AC}" type="doc">
+      <dgm:prSet loTypeId="urn:microsoft.com/office/officeart/2005/8/layout/vList2" loCatId="list" qsTypeId="urn:microsoft.com/office/officeart/2005/8/quickstyle/simple1" qsCatId="simple" csTypeId="urn:microsoft.com/office/officeart/2005/8/colors/accent1_2" csCatId="accent1"/>
+      <dgm:spPr/>
+      <dgm:t>
+        <a:bodyPr/>
+        <a:lstStyle/>
+        <a:p>
+          <a:endParaRPr lang="en-US"/>
+        </a:p>
+      </dgm:t>
+    </dgm:pt>
+    <dgm:pt modelId="{7C2C7E31-08AA-47B5-9177-2BFF78117E87}">
+      <dgm:prSet/>
+      <dgm:spPr/>
+      <dgm:t>
+        <a:bodyPr/>
+        <a:lstStyle/>
+        <a:p>
+          <a:r>
+            <a:rPr lang="en-US"/>
+            <a:t>A Git commit is a snapshot of changes made to a repository at a specific moment in time.</a:t>
+          </a:r>
+        </a:p>
+      </dgm:t>
+    </dgm:pt>
+    <dgm:pt modelId="{1FD7DAC1-D5B7-466F-927B-26706C913ABA}" type="parTrans" cxnId="{D777F1DB-4947-46EE-9FE2-8EDCE09241EA}">
+      <dgm:prSet/>
+      <dgm:spPr/>
+      <dgm:t>
+        <a:bodyPr/>
+        <a:lstStyle/>
+        <a:p>
+          <a:endParaRPr lang="en-US"/>
+        </a:p>
+      </dgm:t>
+    </dgm:pt>
+    <dgm:pt modelId="{22D578B5-337B-4CF2-9DBA-55A3647E43DE}" type="sibTrans" cxnId="{D777F1DB-4947-46EE-9FE2-8EDCE09241EA}">
+      <dgm:prSet/>
+      <dgm:spPr/>
+      <dgm:t>
+        <a:bodyPr/>
+        <a:lstStyle/>
+        <a:p>
+          <a:endParaRPr lang="en-US"/>
+        </a:p>
+      </dgm:t>
+    </dgm:pt>
+    <dgm:pt modelId="{0D542759-27C2-4EFF-A08D-C5E4DC00BAC4}">
+      <dgm:prSet/>
+      <dgm:spPr/>
+      <dgm:t>
+        <a:bodyPr/>
+        <a:lstStyle/>
+        <a:p>
+          <a:r>
+            <a:rPr lang="en-US"/>
+            <a:t>The -m flag stands for message and is used to provide a brief description of the changes.</a:t>
+          </a:r>
+        </a:p>
+      </dgm:t>
+    </dgm:pt>
+    <dgm:pt modelId="{997DCC21-23A4-42F1-AC78-B1D7A75A364D}" type="parTrans" cxnId="{0649030C-958F-4045-BC42-12F28F0F7EBA}">
+      <dgm:prSet/>
+      <dgm:spPr/>
+      <dgm:t>
+        <a:bodyPr/>
+        <a:lstStyle/>
+        <a:p>
+          <a:endParaRPr lang="en-US"/>
+        </a:p>
+      </dgm:t>
+    </dgm:pt>
+    <dgm:pt modelId="{C2B52900-9823-497C-ACF9-F69A65F047BC}" type="sibTrans" cxnId="{0649030C-958F-4045-BC42-12F28F0F7EBA}">
+      <dgm:prSet/>
+      <dgm:spPr/>
+      <dgm:t>
+        <a:bodyPr/>
+        <a:lstStyle/>
+        <a:p>
+          <a:endParaRPr lang="en-US"/>
+        </a:p>
+      </dgm:t>
+    </dgm:pt>
+    <dgm:pt modelId="{CA015B68-8CF9-4F97-8C97-745CF6ACF2B7}">
+      <dgm:prSet/>
+      <dgm:spPr/>
+      <dgm:t>
+        <a:bodyPr/>
+        <a:lstStyle/>
+        <a:p>
+          <a:r>
+            <a:rPr lang="en-US"/>
+            <a:t>It's important to write clear and concise commit messages to aid in collaboration and code maintenance.</a:t>
+          </a:r>
+        </a:p>
+      </dgm:t>
+    </dgm:pt>
+    <dgm:pt modelId="{DFD85391-1301-4FD3-AF84-2A80948E1FAC}" type="parTrans" cxnId="{0D461223-7833-4ACE-BD25-6E6047B14D5C}">
+      <dgm:prSet/>
+      <dgm:spPr/>
+      <dgm:t>
+        <a:bodyPr/>
+        <a:lstStyle/>
+        <a:p>
+          <a:endParaRPr lang="en-US"/>
+        </a:p>
+      </dgm:t>
+    </dgm:pt>
+    <dgm:pt modelId="{B67C7900-DA00-4FCA-95D1-E13923C849F8}" type="sibTrans" cxnId="{0D461223-7833-4ACE-BD25-6E6047B14D5C}">
+      <dgm:prSet/>
+      <dgm:spPr/>
+      <dgm:t>
+        <a:bodyPr/>
+        <a:lstStyle/>
+        <a:p>
+          <a:endParaRPr lang="en-US"/>
+        </a:p>
+      </dgm:t>
+    </dgm:pt>
+    <dgm:pt modelId="{E1B6A000-86B8-7B4A-BF3D-E813FE21F5FD}" type="pres">
+      <dgm:prSet presAssocID="{5965450C-B975-44C1-9183-6897ED95D1AC}" presName="linear" presStyleCnt="0">
+        <dgm:presLayoutVars>
+          <dgm:animLvl val="lvl"/>
+          <dgm:resizeHandles val="exact"/>
+        </dgm:presLayoutVars>
+      </dgm:prSet>
+      <dgm:spPr/>
+    </dgm:pt>
+    <dgm:pt modelId="{36648F50-EB1C-AF42-B295-47A3ADDA5628}" type="pres">
+      <dgm:prSet presAssocID="{7C2C7E31-08AA-47B5-9177-2BFF78117E87}" presName="parentText" presStyleLbl="node1" presStyleIdx="0" presStyleCnt="3">
+        <dgm:presLayoutVars>
+          <dgm:chMax val="0"/>
+          <dgm:bulletEnabled val="1"/>
+        </dgm:presLayoutVars>
+      </dgm:prSet>
+      <dgm:spPr/>
+    </dgm:pt>
+    <dgm:pt modelId="{2386CC25-1802-1C46-9F37-B23DCB78F617}" type="pres">
+      <dgm:prSet presAssocID="{22D578B5-337B-4CF2-9DBA-55A3647E43DE}" presName="spacer" presStyleCnt="0"/>
+      <dgm:spPr/>
+    </dgm:pt>
+    <dgm:pt modelId="{29BC2BAD-6755-CC4A-A28F-931583195A48}" type="pres">
+      <dgm:prSet presAssocID="{0D542759-27C2-4EFF-A08D-C5E4DC00BAC4}" presName="parentText" presStyleLbl="node1" presStyleIdx="1" presStyleCnt="3">
+        <dgm:presLayoutVars>
+          <dgm:chMax val="0"/>
+          <dgm:bulletEnabled val="1"/>
+        </dgm:presLayoutVars>
+      </dgm:prSet>
+      <dgm:spPr/>
+    </dgm:pt>
+    <dgm:pt modelId="{17DD265B-6E08-C644-B803-5B2420DDC19D}" type="pres">
+      <dgm:prSet presAssocID="{C2B52900-9823-497C-ACF9-F69A65F047BC}" presName="spacer" presStyleCnt="0"/>
+      <dgm:spPr/>
+    </dgm:pt>
+    <dgm:pt modelId="{32A9FC1F-AE1D-874A-B1C2-4A1CF79F2066}" type="pres">
+      <dgm:prSet presAssocID="{CA015B68-8CF9-4F97-8C97-745CF6ACF2B7}" presName="parentText" presStyleLbl="node1" presStyleIdx="2" presStyleCnt="3">
+        <dgm:presLayoutVars>
+          <dgm:chMax val="0"/>
+          <dgm:bulletEnabled val="1"/>
+        </dgm:presLayoutVars>
+      </dgm:prSet>
+      <dgm:spPr/>
+    </dgm:pt>
+  </dgm:ptLst>
+  <dgm:cxnLst>
+    <dgm:cxn modelId="{0649030C-958F-4045-BC42-12F28F0F7EBA}" srcId="{5965450C-B975-44C1-9183-6897ED95D1AC}" destId="{0D542759-27C2-4EFF-A08D-C5E4DC00BAC4}" srcOrd="1" destOrd="0" parTransId="{997DCC21-23A4-42F1-AC78-B1D7A75A364D}" sibTransId="{C2B52900-9823-497C-ACF9-F69A65F047BC}"/>
+    <dgm:cxn modelId="{0D461223-7833-4ACE-BD25-6E6047B14D5C}" srcId="{5965450C-B975-44C1-9183-6897ED95D1AC}" destId="{CA015B68-8CF9-4F97-8C97-745CF6ACF2B7}" srcOrd="2" destOrd="0" parTransId="{DFD85391-1301-4FD3-AF84-2A80948E1FAC}" sibTransId="{B67C7900-DA00-4FCA-95D1-E13923C849F8}"/>
+    <dgm:cxn modelId="{3BBC9743-C102-8941-83B4-8AD478561FD3}" type="presOf" srcId="{7C2C7E31-08AA-47B5-9177-2BFF78117E87}" destId="{36648F50-EB1C-AF42-B295-47A3ADDA5628}" srcOrd="0" destOrd="0" presId="urn:microsoft.com/office/officeart/2005/8/layout/vList2"/>
+    <dgm:cxn modelId="{261E814C-E343-2040-9BD6-32BCD2BB478F}" type="presOf" srcId="{5965450C-B975-44C1-9183-6897ED95D1AC}" destId="{E1B6A000-86B8-7B4A-BF3D-E813FE21F5FD}" srcOrd="0" destOrd="0" presId="urn:microsoft.com/office/officeart/2005/8/layout/vList2"/>
+    <dgm:cxn modelId="{D777F1DB-4947-46EE-9FE2-8EDCE09241EA}" srcId="{5965450C-B975-44C1-9183-6897ED95D1AC}" destId="{7C2C7E31-08AA-47B5-9177-2BFF78117E87}" srcOrd="0" destOrd="0" parTransId="{1FD7DAC1-D5B7-466F-927B-26706C913ABA}" sibTransId="{22D578B5-337B-4CF2-9DBA-55A3647E43DE}"/>
+    <dgm:cxn modelId="{901E28EE-6E84-604A-9ABB-189F108A46B3}" type="presOf" srcId="{CA015B68-8CF9-4F97-8C97-745CF6ACF2B7}" destId="{32A9FC1F-AE1D-874A-B1C2-4A1CF79F2066}" srcOrd="0" destOrd="0" presId="urn:microsoft.com/office/officeart/2005/8/layout/vList2"/>
+    <dgm:cxn modelId="{0A1722FE-ED9C-E945-BD0A-D911E8AF2961}" type="presOf" srcId="{0D542759-27C2-4EFF-A08D-C5E4DC00BAC4}" destId="{29BC2BAD-6755-CC4A-A28F-931583195A48}" srcOrd="0" destOrd="0" presId="urn:microsoft.com/office/officeart/2005/8/layout/vList2"/>
+    <dgm:cxn modelId="{B0BF55F7-707E-8C4D-9B73-4726DDA96EFE}" type="presParOf" srcId="{E1B6A000-86B8-7B4A-BF3D-E813FE21F5FD}" destId="{36648F50-EB1C-AF42-B295-47A3ADDA5628}" srcOrd="0" destOrd="0" presId="urn:microsoft.com/office/officeart/2005/8/layout/vList2"/>
+    <dgm:cxn modelId="{9C2A0D63-6771-F14F-9E1C-FAC8233E0FC9}" type="presParOf" srcId="{E1B6A000-86B8-7B4A-BF3D-E813FE21F5FD}" destId="{2386CC25-1802-1C46-9F37-B23DCB78F617}" srcOrd="1" destOrd="0" presId="urn:microsoft.com/office/officeart/2005/8/layout/vList2"/>
+    <dgm:cxn modelId="{ADCAAE1F-6FF8-ED4C-8F4E-861BCD0C04FF}" type="presParOf" srcId="{E1B6A000-86B8-7B4A-BF3D-E813FE21F5FD}" destId="{29BC2BAD-6755-CC4A-A28F-931583195A48}" srcOrd="2" destOrd="0" presId="urn:microsoft.com/office/officeart/2005/8/layout/vList2"/>
+    <dgm:cxn modelId="{C5777932-ACC6-F94F-8148-4B1D12F15F9F}" type="presParOf" srcId="{E1B6A000-86B8-7B4A-BF3D-E813FE21F5FD}" destId="{17DD265B-6E08-C644-B803-5B2420DDC19D}" srcOrd="3" destOrd="0" presId="urn:microsoft.com/office/officeart/2005/8/layout/vList2"/>
+    <dgm:cxn modelId="{5399BFCA-3E39-8544-81DB-29544506ACAE}" type="presParOf" srcId="{E1B6A000-86B8-7B4A-BF3D-E813FE21F5FD}" destId="{32A9FC1F-AE1D-874A-B1C2-4A1CF79F2066}" srcOrd="4" destOrd="0" presId="urn:microsoft.com/office/officeart/2005/8/layout/vList2"/>
+  </dgm:cxnLst>
+  <dgm:bg/>
+  <dgm:whole/>
+  <dgm:extLst>
+    <a:ext uri="http://schemas.microsoft.com/office/drawing/2008/diagram">
+      <dsp:dataModelExt xmlns:dsp="http://schemas.microsoft.com/office/drawing/2008/diagram" relId="rId7" minVer="http://schemas.openxmlformats.org/drawingml/2006/diagram"/>
+    </a:ext>
+  </dgm:extLst>
+</dgm:dataModel>
+</file>
+
+<file path=ppt/diagrams/drawing1.xml><?xml version="1.0" encoding="utf-8"?>
+<dsp:drawing xmlns:dgm="http://schemas.openxmlformats.org/drawingml/2006/diagram" xmlns:dsp="http://schemas.microsoft.com/office/drawing/2008/diagram" xmlns:a="http://schemas.openxmlformats.org/drawingml/2006/main">
+  <dsp:spTree>
+    <dsp:nvGrpSpPr>
+      <dsp:cNvPr id="0" name=""/>
+      <dsp:cNvGrpSpPr/>
+    </dsp:nvGrpSpPr>
+    <dsp:grpSpPr/>
+    <dsp:sp modelId="{36648F50-EB1C-AF42-B295-47A3ADDA5628}">
+      <dsp:nvSpPr>
+        <dsp:cNvPr id="0" name=""/>
+        <dsp:cNvSpPr/>
+      </dsp:nvSpPr>
+      <dsp:spPr>
+        <a:xfrm>
+          <a:off x="0" y="87564"/>
+          <a:ext cx="4563618" cy="1154789"/>
+        </a:xfrm>
+        <a:prstGeom prst="roundRect">
+          <a:avLst/>
+        </a:prstGeom>
+        <a:solidFill>
+          <a:schemeClr val="accent1">
+            <a:hueOff val="0"/>
+            <a:satOff val="0"/>
+            <a:lumOff val="0"/>
+            <a:alphaOff val="0"/>
+          </a:schemeClr>
+        </a:solidFill>
+        <a:ln w="12700" cap="flat" cmpd="sng" algn="ctr">
+          <a:solidFill>
+            <a:schemeClr val="lt1">
+              <a:hueOff val="0"/>
+              <a:satOff val="0"/>
+              <a:lumOff val="0"/>
+              <a:alphaOff val="0"/>
+            </a:schemeClr>
+          </a:solidFill>
+          <a:prstDash val="solid"/>
+          <a:miter lim="800000"/>
+        </a:ln>
+        <a:effectLst/>
+      </dsp:spPr>
+      <dsp:style>
+        <a:lnRef idx="2">
+          <a:scrgbClr r="0" g="0" b="0"/>
+        </a:lnRef>
+        <a:fillRef idx="1">
+          <a:scrgbClr r="0" g="0" b="0"/>
+        </a:fillRef>
+        <a:effectRef idx="0">
+          <a:scrgbClr r="0" g="0" b="0"/>
+        </a:effectRef>
+        <a:fontRef idx="minor">
+          <a:schemeClr val="lt1"/>
+        </a:fontRef>
+      </dsp:style>
+      <dsp:txBody>
+        <a:bodyPr spcFirstLastPara="0" vert="horz" wrap="square" lIns="80010" tIns="80010" rIns="80010" bIns="80010" numCol="1" spcCol="1270" anchor="ctr" anchorCtr="0">
+          <a:noAutofit/>
+        </a:bodyPr>
+        <a:lstStyle/>
+        <a:p>
+          <a:pPr marL="0" lvl="0" indent="0" algn="l" defTabSz="933450">
+            <a:lnSpc>
+              <a:spcPct val="90000"/>
+            </a:lnSpc>
+            <a:spcBef>
+              <a:spcPct val="0"/>
+            </a:spcBef>
+            <a:spcAft>
+              <a:spcPct val="35000"/>
+            </a:spcAft>
+            <a:buNone/>
+          </a:pPr>
+          <a:r>
+            <a:rPr lang="en-US" sz="2100" kern="1200"/>
+            <a:t>A Git commit is a snapshot of changes made to a repository at a specific moment in time.</a:t>
+          </a:r>
+        </a:p>
+      </dsp:txBody>
+      <dsp:txXfrm>
+        <a:off x="56372" y="143936"/>
+        <a:ext cx="4450874" cy="1042045"/>
+      </dsp:txXfrm>
+    </dsp:sp>
+    <dsp:sp modelId="{29BC2BAD-6755-CC4A-A28F-931583195A48}">
+      <dsp:nvSpPr>
+        <dsp:cNvPr id="0" name=""/>
+        <dsp:cNvSpPr/>
+      </dsp:nvSpPr>
+      <dsp:spPr>
+        <a:xfrm>
+          <a:off x="0" y="1302834"/>
+          <a:ext cx="4563618" cy="1154789"/>
+        </a:xfrm>
+        <a:prstGeom prst="roundRect">
+          <a:avLst/>
+        </a:prstGeom>
+        <a:solidFill>
+          <a:schemeClr val="accent1">
+            <a:hueOff val="0"/>
+            <a:satOff val="0"/>
+            <a:lumOff val="0"/>
+            <a:alphaOff val="0"/>
+          </a:schemeClr>
+        </a:solidFill>
+        <a:ln w="12700" cap="flat" cmpd="sng" algn="ctr">
+          <a:solidFill>
+            <a:schemeClr val="lt1">
+              <a:hueOff val="0"/>
+              <a:satOff val="0"/>
+              <a:lumOff val="0"/>
+              <a:alphaOff val="0"/>
+            </a:schemeClr>
+          </a:solidFill>
+          <a:prstDash val="solid"/>
+          <a:miter lim="800000"/>
+        </a:ln>
+        <a:effectLst/>
+      </dsp:spPr>
+      <dsp:style>
+        <a:lnRef idx="2">
+          <a:scrgbClr r="0" g="0" b="0"/>
+        </a:lnRef>
+        <a:fillRef idx="1">
+          <a:scrgbClr r="0" g="0" b="0"/>
+        </a:fillRef>
+        <a:effectRef idx="0">
+          <a:scrgbClr r="0" g="0" b="0"/>
+        </a:effectRef>
+        <a:fontRef idx="minor">
+          <a:schemeClr val="lt1"/>
+        </a:fontRef>
+      </dsp:style>
+      <dsp:txBody>
+        <a:bodyPr spcFirstLastPara="0" vert="horz" wrap="square" lIns="80010" tIns="80010" rIns="80010" bIns="80010" numCol="1" spcCol="1270" anchor="ctr" anchorCtr="0">
+          <a:noAutofit/>
+        </a:bodyPr>
+        <a:lstStyle/>
+        <a:p>
+          <a:pPr marL="0" lvl="0" indent="0" algn="l" defTabSz="933450">
+            <a:lnSpc>
+              <a:spcPct val="90000"/>
+            </a:lnSpc>
+            <a:spcBef>
+              <a:spcPct val="0"/>
+            </a:spcBef>
+            <a:spcAft>
+              <a:spcPct val="35000"/>
+            </a:spcAft>
+            <a:buNone/>
+          </a:pPr>
+          <a:r>
+            <a:rPr lang="en-US" sz="2100" kern="1200"/>
+            <a:t>The -m flag stands for message and is used to provide a brief description of the changes.</a:t>
+          </a:r>
+        </a:p>
+      </dsp:txBody>
+      <dsp:txXfrm>
+        <a:off x="56372" y="1359206"/>
+        <a:ext cx="4450874" cy="1042045"/>
+      </dsp:txXfrm>
+    </dsp:sp>
+    <dsp:sp modelId="{32A9FC1F-AE1D-874A-B1C2-4A1CF79F2066}">
+      <dsp:nvSpPr>
+        <dsp:cNvPr id="0" name=""/>
+        <dsp:cNvSpPr/>
+      </dsp:nvSpPr>
+      <dsp:spPr>
+        <a:xfrm>
+          <a:off x="0" y="2518104"/>
+          <a:ext cx="4563618" cy="1154789"/>
+        </a:xfrm>
+        <a:prstGeom prst="roundRect">
+          <a:avLst/>
+        </a:prstGeom>
+        <a:solidFill>
+          <a:schemeClr val="accent1">
+            <a:hueOff val="0"/>
+            <a:satOff val="0"/>
+            <a:lumOff val="0"/>
+            <a:alphaOff val="0"/>
+          </a:schemeClr>
+        </a:solidFill>
+        <a:ln w="12700" cap="flat" cmpd="sng" algn="ctr">
+          <a:solidFill>
+            <a:schemeClr val="lt1">
+              <a:hueOff val="0"/>
+              <a:satOff val="0"/>
+              <a:lumOff val="0"/>
+              <a:alphaOff val="0"/>
+            </a:schemeClr>
+          </a:solidFill>
+          <a:prstDash val="solid"/>
+          <a:miter lim="800000"/>
+        </a:ln>
+        <a:effectLst/>
+      </dsp:spPr>
+      <dsp:style>
+        <a:lnRef idx="2">
+          <a:scrgbClr r="0" g="0" b="0"/>
+        </a:lnRef>
+        <a:fillRef idx="1">
+          <a:scrgbClr r="0" g="0" b="0"/>
+        </a:fillRef>
+        <a:effectRef idx="0">
+          <a:scrgbClr r="0" g="0" b="0"/>
+        </a:effectRef>
+        <a:fontRef idx="minor">
+          <a:schemeClr val="lt1"/>
+        </a:fontRef>
+      </dsp:style>
+      <dsp:txBody>
+        <a:bodyPr spcFirstLastPara="0" vert="horz" wrap="square" lIns="80010" tIns="80010" rIns="80010" bIns="80010" numCol="1" spcCol="1270" anchor="ctr" anchorCtr="0">
+          <a:noAutofit/>
+        </a:bodyPr>
+        <a:lstStyle/>
+        <a:p>
+          <a:pPr marL="0" lvl="0" indent="0" algn="l" defTabSz="933450">
+            <a:lnSpc>
+              <a:spcPct val="90000"/>
+            </a:lnSpc>
+            <a:spcBef>
+              <a:spcPct val="0"/>
+            </a:spcBef>
+            <a:spcAft>
+              <a:spcPct val="35000"/>
+            </a:spcAft>
+            <a:buNone/>
+          </a:pPr>
+          <a:r>
+            <a:rPr lang="en-US" sz="2100" kern="1200"/>
+            <a:t>It's important to write clear and concise commit messages to aid in collaboration and code maintenance.</a:t>
+          </a:r>
+        </a:p>
+      </dsp:txBody>
+      <dsp:txXfrm>
+        <a:off x="56372" y="2574476"/>
+        <a:ext cx="4450874" cy="1042045"/>
+      </dsp:txXfrm>
+    </dsp:sp>
+  </dsp:spTree>
+</dsp:drawing>
+</file>
+
+<file path=ppt/diagrams/layout1.xml><?xml version="1.0" encoding="utf-8"?>
+<dgm:layoutDef xmlns:dgm="http://schemas.openxmlformats.org/drawingml/2006/diagram" xmlns:a="http://schemas.openxmlformats.org/drawingml/2006/main" uniqueId="urn:microsoft.com/office/officeart/2005/8/layout/vList2">
+  <dgm:title val=""/>
+  <dgm:desc val=""/>
+  <dgm:catLst>
+    <dgm:cat type="list" pri="3000"/>
+    <dgm:cat type="convert" pri="1000"/>
+  </dgm:catLst>
+  <dgm:sampData>
+    <dgm:dataModel>
+      <dgm:ptLst>
+        <dgm:pt modelId="0" type="doc"/>
+        <dgm:pt modelId="1">
+          <dgm:prSet phldr="1"/>
+        </dgm:pt>
+        <dgm:pt modelId="11">
+          <dgm:prSet phldr="1"/>
+        </dgm:pt>
+        <dgm:pt modelId="2">
+          <dgm:prSet phldr="1"/>
+        </dgm:pt>
+        <dgm:pt modelId="21">
+          <dgm:prSet phldr="1"/>
+        </dgm:pt>
+      </dgm:ptLst>
+      <dgm:cxnLst>
+        <dgm:cxn modelId="4" srcId="0" destId="1" srcOrd="0" destOrd="0"/>
+        <dgm:cxn modelId="5" srcId="0" destId="2" srcOrd="1" destOrd="0"/>
+        <dgm:cxn modelId="12" srcId="1" destId="11" srcOrd="0" destOrd="0"/>
+        <dgm:cxn modelId="23" srcId="2" destId="21" srcOrd="0" destOrd="0"/>
+      </dgm:cxnLst>
+      <dgm:bg/>
+      <dgm:whole/>
+    </dgm:dataModel>
+  </dgm:sampData>
+  <dgm:styleData>
+    <dgm:dataModel>
+      <dgm:ptLst>
+        <dgm:pt modelId="0" type="doc"/>
+        <dgm:pt modelId="1"/>
+        <dgm:pt modelId="2"/>
+      </dgm:ptLst>
+      <dgm:cxnLst>
+        <dgm:cxn modelId="3" srcId="0" destId="1" srcOrd="0" destOrd="0"/>
+        <dgm:cxn modelId="4" srcId="0" destId="2" srcOrd="1" destOrd="0"/>
+      </dgm:cxnLst>
+      <dgm:bg/>
+      <dgm:whole/>
+    </dgm:dataModel>
+  </dgm:styleData>
+  <dgm:clrData>
+    <dgm:dataModel>
+      <dgm:ptLst>
+        <dgm:pt modelId="0" type="doc"/>
+        <dgm:pt modelId="1"/>
+        <dgm:pt modelId="2"/>
+        <dgm:pt modelId="3"/>
+        <dgm:pt modelId="4"/>
+      </dgm:ptLst>
+      <dgm:cxnLst>
+        <dgm:cxn modelId="5" srcId="0" destId="1" srcOrd="0" destOrd="0"/>
+        <dgm:cxn modelId="6" srcId="0" destId="2" srcOrd="1" destOrd="0"/>
+        <dgm:cxn modelId="7" srcId="0" destId="3" srcOrd="2" destOrd="0"/>
+        <dgm:cxn modelId="8" srcId="0" destId="4" srcOrd="3" destOrd="0"/>
+      </dgm:cxnLst>
+      <dgm:bg/>
+      <dgm:whole/>
+    </dgm:dataModel>
+  </dgm:clrData>
+  <dgm:layoutNode name="linear">
+    <dgm:varLst>
+      <dgm:animLvl val="lvl"/>
+      <dgm:resizeHandles val="exact"/>
+    </dgm:varLst>
+    <dgm:alg type="lin">
+      <dgm:param type="linDir" val="fromT"/>
+      <dgm:param type="vertAlign" val="mid"/>
+    </dgm:alg>
+    <dgm:shape xmlns:r="http://schemas.openxmlformats.org/officeDocument/2006/relationships" r:blip="">
+      <dgm:adjLst/>
+    </dgm:shape>
+    <dgm:presOf/>
+    <dgm:constrLst>
+      <dgm:constr type="w" for="ch" forName="parentText" refType="w"/>
+      <dgm:constr type="h" for="ch" forName="parentText" refType="primFontSz" refFor="ch" refForName="parentText" fact="0.52"/>
+      <dgm:constr type="w" for="ch" forName="childText" refType="w"/>
+      <dgm:constr type="h" for="ch" forName="childText" refType="primFontSz" refFor="ch" refForName="parentText" fact="0.46"/>
+      <dgm:constr type="h" for="ch" forName="parentText" op="equ"/>
+      <dgm:constr type="primFontSz" for="ch" forName="parentText" op="equ" val="65"/>
+      <dgm:constr type="primFontSz" for="ch" forName="childText" refType="primFontSz" refFor="ch" refForName="parentText" op="equ"/>
+      <dgm:constr type="h" for="ch" forName="spacer" refType="primFontSz" refFor="ch" refForName="parentText" fact="0.08"/>
+    </dgm:constrLst>
+    <dgm:ruleLst>
+      <dgm:rule type="primFontSz" for="ch" forName="parentText" val="5" fact="NaN" max="NaN"/>
+    </dgm:ruleLst>
+    <dgm:forEach name="Name0" axis="ch" ptType="node">
+      <dgm:layoutNode name="parentText" styleLbl="node1">
+        <dgm:varLst>
+          <dgm:chMax val="0"/>
+          <dgm:bulletEnabled val="1"/>
+        </dgm:varLst>
+        <dgm:alg type="tx">
+          <dgm:param type="parTxLTRAlign" val="l"/>
+          <dgm:param type="parTxRTLAlign" val="r"/>
+        </dgm:alg>
+        <dgm:shape xmlns:r="http://schemas.openxmlformats.org/officeDocument/2006/relationships" type="roundRect" r:blip="">
+          <dgm:adjLst/>
+        </dgm:shape>
+        <dgm:presOf axis="self"/>
+        <dgm:constrLst>
+          <dgm:constr type="tMarg" refType="primFontSz" fact="0.3"/>
+          <dgm:constr type="bMarg" refType="primFontSz" fact="0.3"/>
+          <dgm:constr type="lMarg" refType="primFontSz" fact="0.3"/>
+          <dgm:constr type="rMarg" refType="primFontSz" fact="0.3"/>
+        </dgm:constrLst>
+        <dgm:ruleLst>
+          <dgm:rule type="h" val="INF" fact="NaN" max="NaN"/>
+        </dgm:ruleLst>
+      </dgm:layoutNode>
+      <dgm:choose name="Name1">
+        <dgm:if name="Name2" axis="ch" ptType="node" func="cnt" op="gte" val="1">
+          <dgm:layoutNode name="childText" styleLbl="revTx">
+            <dgm:varLst>
+              <dgm:bulletEnabled val="1"/>
+            </dgm:varLst>
+            <dgm:alg type="tx">
+              <dgm:param type="stBulletLvl" val="1"/>
+              <dgm:param type="lnSpAfChP" val="20"/>
+            </dgm:alg>
+            <dgm:shape xmlns:r="http://schemas.openxmlformats.org/officeDocument/2006/relationships" type="rect" r:blip="">
+              <dgm:adjLst/>
+            </dgm:shape>
+            <dgm:presOf axis="des" ptType="node"/>
+            <dgm:constrLst>
+              <dgm:constr type="tMarg" refType="primFontSz" fact="0.1"/>
+              <dgm:constr type="bMarg" refType="primFontSz" fact="0.1"/>
+              <dgm:constr type="lMarg" refType="w" fact="0.09"/>
+            </dgm:constrLst>
+            <dgm:ruleLst>
+              <dgm:rule type="h" val="INF" fact="NaN" max="NaN"/>
+            </dgm:ruleLst>
+          </dgm:layoutNode>
+        </dgm:if>
+        <dgm:else name="Name3">
+          <dgm:choose name="Name4">
+            <dgm:if name="Name5" axis="par ch" ptType="doc node" func="cnt" op="gte" val="2">
+              <dgm:forEach name="Name6" axis="followSib" ptType="sibTrans" cnt="1">
+                <dgm:layoutNode name="spacer">
+                  <dgm:alg type="sp"/>
+                  <dgm:shape xmlns:r="http://schemas.openxmlformats.org/officeDocument/2006/relationships" r:blip="">
+                    <dgm:adjLst/>
+                  </dgm:shape>
+                  <dgm:presOf/>
+                  <dgm:constrLst/>
+                  <dgm:ruleLst/>
+                </dgm:layoutNode>
+              </dgm:forEach>
+            </dgm:if>
+            <dgm:else name="Name7"/>
+          </dgm:choose>
+        </dgm:else>
+      </dgm:choose>
+    </dgm:forEach>
+  </dgm:layoutNode>
+</dgm:layoutDef>
+</file>
+
+<file path=ppt/diagrams/quickStyle1.xml><?xml version="1.0" encoding="utf-8"?>
+<dgm:styleDef xmlns:dgm="http://schemas.openxmlformats.org/drawingml/2006/diagram" xmlns:a="http://schemas.openxmlformats.org/drawingml/2006/main" uniqueId="urn:microsoft.com/office/officeart/2005/8/quickstyle/simple1">
+  <dgm:title val=""/>
+  <dgm:desc val=""/>
+  <dgm:catLst>
+    <dgm:cat type="simple" pri="10100"/>
+  </dgm:catLst>
+  <dgm:scene3d>
+    <a:camera prst="orthographicFront"/>
+    <a:lightRig rig="threePt" dir="t"/>
+  </dgm:scene3d>
+  <dgm:styleLbl name="node0">
+    <dgm:scene3d>
+      <a:camera prst="orthographicFront"/>
+      <a:lightRig rig="threePt" dir="t"/>
+    </dgm:scene3d>
+    <dgm:sp3d/>
+    <dgm:txPr/>
+    <dgm:style>
+      <a:lnRef idx="2">
+        <a:scrgbClr r="0" g="0" b="0"/>
+      </a:lnRef>
+      <a:fillRef idx="1">
+        <a:scrgbClr r="0" g="0" b="0"/>
+      </a:fillRef>
+      <a:effectRef idx="0">
+        <a:scrgbClr r="0" g="0" b="0"/>
+      </a:effectRef>
+      <a:fontRef idx="minor">
+        <a:schemeClr val="lt1"/>
+      </a:fontRef>
+    </dgm:style>
+  </dgm:styleLbl>
+  <dgm:styleLbl name="lnNode1">
+    <dgm:scene3d>
+      <a:camera prst="orthographicFront"/>
+      <a:lightRig rig="threePt" dir="t"/>
+    </dgm:scene3d>
+    <dgm:sp3d/>
+    <dgm:txPr/>
+    <dgm:style>
+      <a:lnRef idx="2">
+        <a:scrgbClr r="0" g="0" b="0"/>
+      </a:lnRef>
+      <a:fillRef idx="1">
+        <a:scrgbClr r="0" g="0" b="0"/>
+      </a:fillRef>
+      <a:effectRef idx="0">
+        <a:scrgbClr r="0" g="0" b="0"/>
+      </a:effectRef>
+      <a:fontRef idx="minor">
+        <a:schemeClr val="lt1"/>
+      </a:fontRef>
+    </dgm:style>
+  </dgm:styleLbl>
+  <dgm:styleLbl name="vennNode1">
+    <dgm:scene3d>
+      <a:camera prst="orthographicFront"/>
+      <a:lightRig rig="threePt" dir="t"/>
+    </dgm:scene3d>
+    <dgm:sp3d/>
+    <dgm:txPr/>
+    <dgm:style>
+      <a:lnRef idx="2">
+        <a:scrgbClr r="0" g="0" b="0"/>
+      </a:lnRef>
+      <a:fillRef idx="1">
+        <a:scrgbClr r="0" g="0" b="0"/>
+      </a:fillRef>
+      <a:effectRef idx="0">
+        <a:scrgbClr r="0" g="0" b="0"/>
+      </a:effectRef>
+      <a:fontRef idx="minor">
+        <a:schemeClr val="tx1"/>
+      </a:fontRef>
+    </dgm:style>
+  </dgm:styleLbl>
+  <dgm:styleLbl name="alignNode1">
+    <dgm:scene3d>
+      <a:camera prst="orthographicFront"/>
+      <a:lightRig rig="threePt" dir="t"/>
+    </dgm:scene3d>
+    <dgm:sp3d/>
+    <dgm:txPr/>
+    <dgm:style>
+      <a:lnRef idx="2">
+        <a:scrgbClr r="0" g="0" b="0"/>
+      </a:lnRef>
+      <a:fillRef idx="1">
+        <a:scrgbClr r="0" g="0" b="0"/>
+      </a:fillRef>
+      <a:effectRef idx="0">
+        <a:scrgbClr r="0" g="0" b="0"/>
+      </a:effectRef>
+      <a:fontRef idx="minor">
+        <a:schemeClr val="lt1"/>
+      </a:fontRef>
+    </dgm:style>
+  </dgm:styleLbl>
+  <dgm:styleLbl name="node1">
+    <dgm:scene3d>
+      <a:camera prst="orthographicFront"/>
+      <a:lightRig rig="threePt" dir="t"/>
+    </dgm:scene3d>
+    <dgm:sp3d/>
+    <dgm:txPr/>
+    <dgm:style>
+      <a:lnRef idx="2">
+        <a:scrgbClr r="0" g="0" b="0"/>
+      </a:lnRef>
+      <a:fillRef idx="1">
+        <a:scrgbClr r="0" g="0" b="0"/>
+      </a:fillRef>
+      <a:effectRef idx="0">
+        <a:scrgbClr r="0" g="0" b="0"/>
+      </a:effectRef>
+      <a:fontRef idx="minor">
+        <a:schemeClr val="lt1"/>
+      </a:fontRef>
+    </dgm:style>
+  </dgm:styleLbl>
+  <dgm:styleLbl name="node2">
+    <dgm:scene3d>
+      <a:camera prst="orthographicFront"/>
+      <a:lightRig rig="threePt" dir="t"/>
+    </dgm:scene3d>
+    <dgm:sp3d/>
+    <dgm:txPr/>
+    <dgm:style>
+      <a:lnRef idx="2">
+        <a:scrgbClr r="0" g="0" b="0"/>
+      </a:lnRef>
+      <a:fillRef idx="1">
+        <a:scrgbClr r="0" g="0" b="0"/>
+      </a:fillRef>
+      <a:effectRef idx="0">
+        <a:scrgbClr r="0" g="0" b="0"/>
+      </a:effectRef>
+      <a:fontRef idx="minor">
+        <a:schemeClr val="lt1"/>
+      </a:fontRef>
+    </dgm:style>
+  </dgm:styleLbl>
+  <dgm:styleLbl name="node3">
+    <dgm:scene3d>
+      <a:camera prst="orthographicFront"/>
+      <a:lightRig rig="threePt" dir="t"/>
+    </dgm:scene3d>
+    <dgm:sp3d/>
+    <dgm:txPr/>
+    <dgm:style>
+      <a:lnRef idx="2">
+        <a:scrgbClr r="0" g="0" b="0"/>
+      </a:lnRef>
+      <a:fillRef idx="1">
+        <a:scrgbClr r="0" g="0" b="0"/>
+      </a:fillRef>
+      <a:effectRef idx="0">
+        <a:scrgbClr r="0" g="0" b="0"/>
+      </a:effectRef>
+      <a:fontRef idx="minor">
+        <a:schemeClr val="lt1"/>
+      </a:fontRef>
+    </dgm:style>
+  </dgm:styleLbl>
+  <dgm:styleLbl name="node4">
+    <dgm:scene3d>
+      <a:camera prst="orthographicFront"/>
+      <a:lightRig rig="threePt" dir="t"/>
+    </dgm:scene3d>
+    <dgm:sp3d/>
+    <dgm:txPr/>
+    <dgm:style>
+      <a:lnRef idx="2">
+        <a:scrgbClr r="0" g="0" b="0"/>
+      </a:lnRef>
+      <a:fillRef idx="1">
+        <a:scrgbClr r="0" g="0" b="0"/>
+      </a:fillRef>
+      <a:effectRef idx="0">
+        <a:scrgbClr r="0" g="0" b="0"/>
+      </a:effectRef>
+      <a:fontRef idx="minor">
+        <a:schemeClr val="lt1"/>
+      </a:fontRef>
+    </dgm:style>
+  </dgm:styleLbl>
+  <dgm:styleLbl name="fgImgPlace1">
+    <dgm:scene3d>
+      <a:camera prst="orthographicFront"/>
+      <a:lightRig rig="threePt" dir="t"/>
+    </dgm:scene3d>
+    <dgm:sp3d/>
+    <dgm:txPr/>
+    <dgm:style>
+      <a:lnRef idx="2">
+        <a:scrgbClr r="0" g="0" b="0"/>
+      </a:lnRef>
+      <a:fillRef idx="1">
+        <a:scrgbClr r="0" g="0" b="0"/>
+      </a:fillRef>
+      <a:effectRef idx="0">
+        <a:scrgbClr r="0" g="0" b="0"/>
+      </a:effectRef>
+      <a:fontRef idx="minor"/>
+    </dgm:style>
+  </dgm:styleLbl>
+  <dgm:styleLbl name="alignImgPlace1">
+    <dgm:scene3d>
+      <a:camera prst="orthographicFront"/>
+      <a:lightRig rig="threePt" dir="t"/>
+    </dgm:scene3d>
+    <dgm:sp3d/>
+    <dgm:txPr/>
+    <dgm:style>
+      <a:lnRef idx="2">
+        <a:scrgbClr r="0" g="0" b="0"/>
+      </a:lnRef>
+      <a:fillRef idx="1">
+        <a:scrgbClr r="0" g="0" b="0"/>
+      </a:fillRef>
+      <a:effectRef idx="0">
+        <a:scrgbClr r="0" g="0" b="0"/>
+      </a:effectRef>
+      <a:fontRef idx="minor"/>
+    </dgm:style>
+  </dgm:styleLbl>
+  <dgm:styleLbl name="bgImgPlace1">
+    <dgm:scene3d>
+      <a:camera prst="orthographicFront"/>
+      <a:lightRig rig="threePt" dir="t"/>
+    </dgm:scene3d>
+    <dgm:sp3d/>
+    <dgm:txPr/>
+    <dgm:style>
+      <a:lnRef idx="2">
+        <a:scrgbClr r="0" g="0" b="0"/>
+      </a:lnRef>
+      <a:fillRef idx="1">
+        <a:scrgbClr r="0" g="0" b="0"/>
+      </a:fillRef>
+      <a:effectRef idx="0">
+        <a:scrgbClr r="0" g="0" b="0"/>
+      </a:effectRef>
+      <a:fontRef idx="minor"/>
+    </dgm:style>
+  </dgm:styleLbl>
+  <dgm:styleLbl name="sibTrans2D1">
+    <dgm:scene3d>
+      <a:camera prst="orthographicFront"/>
+      <a:lightRig rig="threePt" dir="t"/>
+    </dgm:scene3d>
+    <dgm:sp3d/>
+    <dgm:txPr/>
+    <dgm:style>
+      <a:lnRef idx="0">
+        <a:scrgbClr r="0" g="0" b="0"/>
+      </a:lnRef>
+      <a:fillRef idx="1">
+        <a:scrgbClr r="0" g="0" b="0"/>
+      </a:fillRef>
+      <a:effectRef idx="0">
+        <a:scrgbClr r="0" g="0" b="0"/>
+      </a:effectRef>
+      <a:fontRef idx="minor">
+        <a:schemeClr val="lt1"/>
+      </a:fontRef>
+    </dgm:style>
+  </dgm:styleLbl>
+  <dgm:styleLbl name="fgSibTrans2D1">
+    <dgm:scene3d>
+      <a:camera prst="orthographicFront"/>
+      <a:lightRig rig="threePt" dir="t"/>
+    </dgm:scene3d>
+    <dgm:sp3d/>
+    <dgm:txPr/>
+    <dgm:style>
+      <a:lnRef idx="0">
+        <a:scrgbClr r="0" g="0" b="0"/>
+      </a:lnRef>
+      <a:fillRef idx="1">
+        <a:scrgbClr r="0" g="0" b="0"/>
+      </a:fillRef>
+      <a:effectRef idx="0">
+        <a:scrgbClr r="0" g="0" b="0"/>
+      </a:effectRef>
+      <a:fontRef idx="minor">
+        <a:schemeClr val="lt1"/>
+      </a:fontRef>
+    </dgm:style>
+  </dgm:styleLbl>
+  <dgm:styleLbl name="bgSibTrans2D1">
+    <dgm:scene3d>
+      <a:camera prst="orthographicFront"/>
+      <a:lightRig rig="threePt" dir="t"/>
+    </dgm:scene3d>
+    <dgm:sp3d/>
+    <dgm:txPr/>
+    <dgm:style>
+      <a:lnRef idx="0">
+        <a:scrgbClr r="0" g="0" b="0"/>
+      </a:lnRef>
+      <a:fillRef idx="1">
+        <a:scrgbClr r="0" g="0" b="0"/>
+      </a:fillRef>
+      <a:effectRef idx="0">
+        <a:scrgbClr r="0" g="0" b="0"/>
+      </a:effectRef>
+      <a:fontRef idx="minor">
+        <a:schemeClr val="lt1"/>
+      </a:fontRef>
+    </dgm:style>
+  </dgm:styleLbl>
+  <dgm:styleLbl name="sibTrans1D1">
+    <dgm:scene3d>
+      <a:camera prst="orthographicFront"/>
+      <a:lightRig rig="threePt" dir="t"/>
+    </dgm:scene3d>
+    <dgm:sp3d/>
+    <dgm:txPr/>
+    <dgm:style>
+      <a:lnRef idx="1">
+        <a:scrgbClr r="0" g="0" b="0"/>
+      </a:lnRef>
+      <a:fillRef idx="0">
+        <a:scrgbClr r="0" g="0" b="0"/>
+      </a:fillRef>
+      <a:effectRef idx="0">
+        <a:scrgbClr r="0" g="0" b="0"/>
+      </a:effectRef>
+      <a:fontRef idx="minor"/>
+    </dgm:style>
+  </dgm:styleLbl>
+  <dgm:styleLbl name="callout">
+    <dgm:scene3d>
+      <a:camera prst="orthographicFront"/>
+      <a:lightRig rig="threePt" dir="t"/>
+    </dgm:scene3d>
+    <dgm:sp3d/>
+    <dgm:txPr/>
+    <dgm:style>
+      <a:lnRef idx="2">
+        <a:scrgbClr r="0" g="0" b="0"/>
+      </a:lnRef>
+      <a:fillRef idx="1">
+        <a:scrgbClr r="0" g="0" b="0"/>
+      </a:fillRef>
+      <a:effectRef idx="0">
+        <a:scrgbClr r="0" g="0" b="0"/>
+      </a:effectRef>
+      <a:fontRef idx="minor"/>
+    </dgm:style>
+  </dgm:styleLbl>
+  <dgm:styleLbl name="asst0">
+    <dgm:scene3d>
+      <a:camera prst="orthographicFront"/>
+      <a:lightRig rig="threePt" dir="t"/>
+    </dgm:scene3d>
+    <dgm:sp3d/>
+    <dgm:txPr/>
+    <dgm:style>
+      <a:lnRef idx="2">
+        <a:scrgbClr r="0" g="0" b="0"/>
+      </a:lnRef>
+      <a:fillRef idx="1">
+        <a:scrgbClr r="0" g="0" b="0"/>
+      </a:fillRef>
+      <a:effectRef idx="0">
+        <a:scrgbClr r="0" g="0" b="0"/>
+      </a:effectRef>
+      <a:fontRef idx="minor">
+        <a:schemeClr val="lt1"/>
+      </a:fontRef>
+    </dgm:style>
+  </dgm:styleLbl>
+  <dgm:styleLbl name="asst1">
+    <dgm:scene3d>
+      <a:camera prst="orthographicFront"/>
+      <a:lightRig rig="threePt" dir="t"/>
+    </dgm:scene3d>
+    <dgm:sp3d/>
+    <dgm:txPr/>
+    <dgm:style>
+      <a:lnRef idx="2">
+        <a:scrgbClr r="0" g="0" b="0"/>
+      </a:lnRef>
+      <a:fillRef idx="1">
+        <a:scrgbClr r="0" g="0" b="0"/>
+      </a:fillRef>
+      <a:effectRef idx="0">
+        <a:scrgbClr r="0" g="0" b="0"/>
+      </a:effectRef>
+      <a:fontRef idx="minor">
+        <a:schemeClr val="lt1"/>
+      </a:fontRef>
+    </dgm:style>
+  </dgm:styleLbl>
+  <dgm:styleLbl name="asst2">
+    <dgm:scene3d>
+      <a:camera prst="orthographicFront"/>
+      <a:lightRig rig="threePt" dir="t"/>
+    </dgm:scene3d>
+    <dgm:sp3d/>
+    <dgm:txPr/>
+    <dgm:style>
+      <a:lnRef idx="2">
+        <a:scrgbClr r="0" g="0" b="0"/>
+      </a:lnRef>
+      <a:fillRef idx="1">
+        <a:scrgbClr r="0" g="0" b="0"/>
+      </a:fillRef>
+      <a:effectRef idx="0">
+        <a:scrgbClr r="0" g="0" b="0"/>
+      </a:effectRef>
+      <a:fontRef idx="minor">
+        <a:schemeClr val="lt1"/>
+      </a:fontRef>
+    </dgm:style>
+  </dgm:styleLbl>
+  <dgm:styleLbl name="asst3">
+    <dgm:scene3d>
+      <a:camera prst="orthographicFront"/>
+      <a:lightRig rig="threePt" dir="t"/>
+    </dgm:scene3d>
+    <dgm:sp3d/>
+    <dgm:txPr/>
+    <dgm:style>
+      <a:lnRef idx="2">
+        <a:scrgbClr r="0" g="0" b="0"/>
+      </a:lnRef>
+      <a:fillRef idx="1">
+        <a:scrgbClr r="0" g="0" b="0"/>
+      </a:fillRef>
+      <a:effectRef idx="0">
+        <a:scrgbClr r="0" g="0" b="0"/>
+      </a:effectRef>
+      <a:fontRef idx="minor">
+        <a:schemeClr val="lt1"/>
+      </a:fontRef>
+    </dgm:style>
+  </dgm:styleLbl>
+  <dgm:styleLbl name="asst4">
+    <dgm:scene3d>
+      <a:camera prst="orthographicFront"/>
+      <a:lightRig rig="threePt" dir="t"/>
+    </dgm:scene3d>
+    <dgm:sp3d/>
+    <dgm:txPr/>
+    <dgm:style>
+      <a:lnRef idx="2">
+        <a:scrgbClr r="0" g="0" b="0"/>
+      </a:lnRef>
+      <a:fillRef idx="1">
+        <a:scrgbClr r="0" g="0" b="0"/>
+      </a:fillRef>
+      <a:effectRef idx="0">
+        <a:scrgbClr r="0" g="0" b="0"/>
+      </a:effectRef>
+      <a:fontRef idx="minor">
+        <a:schemeClr val="lt1"/>
+      </a:fontRef>
+    </dgm:style>
+  </dgm:styleLbl>
+  <dgm:styleLbl name="parChTrans2D1">
+    <dgm:scene3d>
+      <a:camera prst="orthographicFront"/>
+      <a:lightRig rig="threePt" dir="t"/>
+    </dgm:scene3d>
+    <dgm:sp3d/>
+    <dgm:txPr/>
+    <dgm:style>
+      <a:lnRef idx="2">
+        <a:scrgbClr r="0" g="0" b="0"/>
+      </a:lnRef>
+      <a:fillRef idx="1">
+        <a:scrgbClr r="0" g="0" b="0"/>
+      </a:fillRef>
+      <a:effectRef idx="0">
+        <a:scrgbClr r="0" g="0" b="0"/>
+      </a:effectRef>
+      <a:fontRef idx="minor">
+        <a:schemeClr val="lt1"/>
+      </a:fontRef>
+    </dgm:style>
+  </dgm:styleLbl>
+  <dgm:styleLbl name="parChTrans2D2">
+    <dgm:scene3d>
+      <a:camera prst="orthographicFront"/>
+      <a:lightRig rig="threePt" dir="t"/>
+    </dgm:scene3d>
+    <dgm:sp3d/>
+    <dgm:txPr/>
+    <dgm:style>
+      <a:lnRef idx="2">
+        <a:scrgbClr r="0" g="0" b="0"/>
+      </a:lnRef>
+      <a:fillRef idx="1">
+        <a:scrgbClr r="0" g="0" b="0"/>
+      </a:fillRef>
+      <a:effectRef idx="0">
+        <a:scrgbClr r="0" g="0" b="0"/>
+      </a:effectRef>
+      <a:fontRef idx="minor">
+        <a:schemeClr val="lt1"/>
+      </a:fontRef>
+    </dgm:style>
+  </dgm:styleLbl>
+  <dgm:styleLbl name="parChTrans2D3">
+    <dgm:scene3d>
+      <a:camera prst="orthographicFront"/>
+      <a:lightRig rig="threePt" dir="t"/>
+    </dgm:scene3d>
+    <dgm:sp3d/>
+    <dgm:txPr/>
+    <dgm:style>
+      <a:lnRef idx="2">
+        <a:scrgbClr r="0" g="0" b="0"/>
+      </a:lnRef>
+      <a:fillRef idx="1">
+        <a:scrgbClr r="0" g="0" b="0"/>
+      </a:fillRef>
+      <a:effectRef idx="0">
+        <a:scrgbClr r="0" g="0" b="0"/>
+      </a:effectRef>
+      <a:fontRef idx="minor">
+        <a:schemeClr val="lt1"/>
+      </a:fontRef>
+    </dgm:style>
+  </dgm:styleLbl>
+  <dgm:styleLbl name="parChTrans2D4">
+    <dgm:scene3d>
+      <a:camera prst="orthographicFront"/>
+      <a:lightRig rig="threePt" dir="t"/>
+    </dgm:scene3d>
+    <dgm:sp3d/>
+    <dgm:txPr/>
+    <dgm:style>
+      <a:lnRef idx="2">
+        <a:scrgbClr r="0" g="0" b="0"/>
+      </a:lnRef>
+      <a:fillRef idx="1">
+        <a:scrgbClr r="0" g="0" b="0"/>
+      </a:fillRef>
+      <a:effectRef idx="0">
+        <a:scrgbClr r="0" g="0" b="0"/>
+      </a:effectRef>
+      <a:fontRef idx="minor">
+        <a:schemeClr val="lt1"/>
+      </a:fontRef>
+    </dgm:style>
+  </dgm:styleLbl>
+  <dgm:styleLbl name="parChTrans1D1">
+    <dgm:scene3d>
+      <a:camera prst="orthographicFront"/>
+      <a:lightRig rig="threePt" dir="t"/>
+    </dgm:scene3d>
+    <dgm:sp3d/>
+    <dgm:txPr/>
+    <dgm:style>
+      <a:lnRef idx="2">
+        <a:scrgbClr r="0" g="0" b="0"/>
+      </a:lnRef>
+      <a:fillRef idx="0">
+        <a:scrgbClr r="0" g="0" b="0"/>
+      </a:fillRef>
+      <a:effectRef idx="0">
+        <a:scrgbClr r="0" g="0" b="0"/>
+      </a:effectRef>
+      <a:fontRef idx="minor"/>
+    </dgm:style>
+  </dgm:styleLbl>
+  <dgm:styleLbl name="parChTrans1D2">
+    <dgm:scene3d>
+      <a:camera prst="orthographicFront"/>
+      <a:lightRig rig="threePt" dir="t"/>
+    </dgm:scene3d>
+    <dgm:sp3d/>
+    <dgm:txPr/>
+    <dgm:style>
+      <a:lnRef idx="2">
+        <a:scrgbClr r="0" g="0" b="0"/>
+      </a:lnRef>
+      <a:fillRef idx="0">
+        <a:scrgbClr r="0" g="0" b="0"/>
+      </a:fillRef>
+      <a:effectRef idx="0">
+        <a:scrgbClr r="0" g="0" b="0"/>
+      </a:effectRef>
+      <a:fontRef idx="minor"/>
+    </dgm:style>
+  </dgm:styleLbl>
+  <dgm:styleLbl name="parChTrans1D3">
+    <dgm:scene3d>
+      <a:camera prst="orthographicFront"/>
+      <a:lightRig rig="threePt" dir="t"/>
+    </dgm:scene3d>
+    <dgm:sp3d/>
+    <dgm:txPr/>
+    <dgm:style>
+      <a:lnRef idx="2">
+        <a:scrgbClr r="0" g="0" b="0"/>
+      </a:lnRef>
+      <a:fillRef idx="0">
+        <a:scrgbClr r="0" g="0" b="0"/>
+      </a:fillRef>
+      <a:effectRef idx="0">
+        <a:scrgbClr r="0" g="0" b="0"/>
+      </a:effectRef>
+      <a:fontRef idx="minor"/>
+    </dgm:style>
+  </dgm:styleLbl>
+  <dgm:styleLbl name="parChTrans1D4">
+    <dgm:scene3d>
+      <a:camera prst="orthographicFront"/>
+      <a:lightRig rig="threePt" dir="t"/>
+    </dgm:scene3d>
+    <dgm:sp3d/>
+    <dgm:txPr/>
+    <dgm:style>
+      <a:lnRef idx="2">
+        <a:scrgbClr r="0" g="0" b="0"/>
+      </a:lnRef>
+      <a:fillRef idx="0">
+        <a:scrgbClr r="0" g="0" b="0"/>
+      </a:fillRef>
+      <a:effectRef idx="0">
+        <a:scrgbClr r="0" g="0" b="0"/>
+      </a:effectRef>
+      <a:fontRef idx="minor"/>
+    </dgm:style>
+  </dgm:styleLbl>
+  <dgm:styleLbl name="fgAcc1">
+    <dgm:scene3d>
+      <a:camera prst="orthographicFront"/>
+      <a:lightRig rig="threePt" dir="t"/>
+    </dgm:scene3d>
+    <dgm:sp3d/>
+    <dgm:txPr/>
+    <dgm:style>
+      <a:lnRef idx="2">
+        <a:scrgbClr r="0" g="0" b="0"/>
+      </a:lnRef>
+      <a:fillRef idx="1">
+        <a:scrgbClr r="0" g="0" b="0"/>
+      </a:fillRef>
+      <a:effectRef idx="0">
+        <a:scrgbClr r="0" g="0" b="0"/>
+      </a:effectRef>
+      <a:fontRef idx="minor"/>
+    </dgm:style>
+  </dgm:styleLbl>
+  <dgm:styleLbl name="conFgAcc1">
+    <dgm:scene3d>
+      <a:camera prst="orthographicFront"/>
+      <a:lightRig rig="threePt" dir="t"/>
+    </dgm:scene3d>
+    <dgm:sp3d/>
+    <dgm:txPr/>
+    <dgm:style>
+      <a:lnRef idx="2">
+        <a:scrgbClr r="0" g="0" b="0"/>
+      </a:lnRef>
+      <a:fillRef idx="1">
+        <a:scrgbClr r="0" g="0" b="0"/>
+      </a:fillRef>
+      <a:effectRef idx="0">
+        <a:scrgbClr r="0" g="0" b="0"/>
+      </a:effectRef>
+      <a:fontRef idx="minor"/>
+    </dgm:style>
+  </dgm:styleLbl>
+  <dgm:styleLbl name="alignAcc1">
+    <dgm:scene3d>
+      <a:camera prst="orthographicFront"/>
+      <a:lightRig rig="threePt" dir="t"/>
+    </dgm:scene3d>
+    <dgm:sp3d/>
+    <dgm:txPr/>
+    <dgm:style>
+      <a:lnRef idx="2">
+        <a:scrgbClr r="0" g="0" b="0"/>
+      </a:lnRef>
+      <a:fillRef idx="1">
+        <a:scrgbClr r="0" g="0" b="0"/>
+      </a:fillRef>
+      <a:effectRef idx="0">
+        <a:scrgbClr r="0" g="0" b="0"/>
+      </a:effectRef>
+      <a:fontRef idx="minor"/>
+    </dgm:style>
+  </dgm:styleLbl>
+  <dgm:styleLbl name="trAlignAcc1">
+    <dgm:scene3d>
+      <a:camera prst="orthographicFront"/>
+      <a:lightRig rig="threePt" dir="t"/>
+    </dgm:scene3d>
+    <dgm:sp3d/>
+    <dgm:txPr/>
+    <dgm:style>
+      <a:lnRef idx="1">
+        <a:scrgbClr r="0" g="0" b="0"/>
+      </a:lnRef>
+      <a:fillRef idx="1">
+        <a:scrgbClr r="0" g="0" b="0"/>
+      </a:fillRef>
+      <a:effectRef idx="0">
+        <a:scrgbClr r="0" g="0" b="0"/>
+      </a:effectRef>
+      <a:fontRef idx="minor"/>
+    </dgm:style>
+  </dgm:styleLbl>
+  <dgm:styleLbl name="bgAcc1">
+    <dgm:scene3d>
+      <a:camera prst="orthographicFront"/>
+      <a:lightRig rig="threePt" dir="t"/>
+    </dgm:scene3d>
+    <dgm:sp3d/>
+    <dgm:txPr/>
+    <dgm:style>
+      <a:lnRef idx="2">
+        <a:scrgbClr r="0" g="0" b="0"/>
+      </a:lnRef>
+      <a:fillRef idx="1">
+        <a:scrgbClr r="0" g="0" b="0"/>
+      </a:fillRef>
+      <a:effectRef idx="0">
+        <a:scrgbClr r="0" g="0" b="0"/>
+      </a:effectRef>
+      <a:fontRef idx="minor"/>
+    </dgm:style>
+  </dgm:styleLbl>
+  <dgm:styleLbl name="solidFgAcc1">
+    <dgm:scene3d>
+      <a:camera prst="orthographicFront"/>
+      <a:lightRig rig="threePt" dir="t"/>
+    </dgm:scene3d>
+    <dgm:sp3d/>
+    <dgm:txPr/>
+    <dgm:style>
+      <a:lnRef idx="2">
+        <a:scrgbClr r="0" g="0" b="0"/>
+      </a:lnRef>
+      <a:fillRef idx="1">
+        <a:scrgbClr r="0" g="0" b="0"/>
+      </a:fillRef>
+      <a:effectRef idx="0">
+        <a:scrgbClr r="0" g="0" b="0"/>
+      </a:effectRef>
+      <a:fontRef idx="minor"/>
+    </dgm:style>
+  </dgm:styleLbl>
+  <dgm:styleLbl name="solidAlignAcc1">
+    <dgm:scene3d>
+      <a:camera prst="orthographicFront"/>
+      <a:lightRig rig="threePt" dir="t"/>
+    </dgm:scene3d>
+    <dgm:sp3d/>
+    <dgm:txPr/>
+    <dgm:style>
+      <a:lnRef idx="2">
+        <a:scrgbClr r="0" g="0" b="0"/>
+      </a:lnRef>
+      <a:fillRef idx="1">
+        <a:scrgbClr r="0" g="0" b="0"/>
+      </a:fillRef>
+      <a:effectRef idx="0">
+        <a:scrgbClr r="0" g="0" b="0"/>
+      </a:effectRef>
+      <a:fontRef idx="minor"/>
+    </dgm:style>
+  </dgm:styleLbl>
+  <dgm:styleLbl name="solidBgAcc1">
+    <dgm:scene3d>
+      <a:camera prst="orthographicFront"/>
+      <a:lightRig rig="threePt" dir="t"/>
+    </dgm:scene3d>
+    <dgm:sp3d/>
+    <dgm:txPr/>
+    <dgm:style>
+      <a:lnRef idx="2">
+        <a:scrgbClr r="0" g="0" b="0"/>
+      </a:lnRef>
+      <a:fillRef idx="1">
+        <a:scrgbClr r="0" g="0" b="0"/>
+      </a:fillRef>
+      <a:effectRef idx="0">
+        <a:scrgbClr r="0" g="0" b="0"/>
+      </a:effectRef>
+      <a:fontRef idx="minor"/>
+    </dgm:style>
+  </dgm:styleLbl>
+  <dgm:styleLbl name="fgAccFollowNode1">
+    <dgm:scene3d>
+      <a:camera prst="orthographicFront"/>
+      <a:lightRig rig="threePt" dir="t"/>
+    </dgm:scene3d>
+    <dgm:sp3d/>
+    <dgm:txPr/>
+    <dgm:style>
+      <a:lnRef idx="2">
+        <a:scrgbClr r="0" g="0" b="0"/>
+      </a:lnRef>
+      <a:fillRef idx="1">
+        <a:scrgbClr r="0" g="0" b="0"/>
+      </a:fillRef>
+      <a:effectRef idx="0">
+        <a:scrgbClr r="0" g="0" b="0"/>
+      </a:effectRef>
+      <a:fontRef idx="minor"/>
+    </dgm:style>
+  </dgm:styleLbl>
+  <dgm:styleLbl name="alignAccFollowNode1">
+    <dgm:scene3d>
+      <a:camera prst="orthographicFront"/>
+      <a:lightRig rig="threePt" dir="t"/>
+    </dgm:scene3d>
+    <dgm:sp3d/>
+    <dgm:txPr/>
+    <dgm:style>
+      <a:lnRef idx="2">
+        <a:scrgbClr r="0" g="0" b="0"/>
+      </a:lnRef>
+      <a:fillRef idx="1">
+        <a:scrgbClr r="0" g="0" b="0"/>
+      </a:fillRef>
+      <a:effectRef idx="0">
+        <a:scrgbClr r="0" g="0" b="0"/>
+      </a:effectRef>
+      <a:fontRef idx="minor"/>
+    </dgm:style>
+  </dgm:styleLbl>
+  <dgm:styleLbl name="bgAccFollowNode1">
+    <dgm:scene3d>
+      <a:camera prst="orthographicFront"/>
+      <a:lightRig rig="threePt" dir="t"/>
+    </dgm:scene3d>
+    <dgm:sp3d/>
+    <dgm:txPr/>
+    <dgm:style>
+      <a:lnRef idx="2">
+        <a:scrgbClr r="0" g="0" b="0"/>
+      </a:lnRef>
+      <a:fillRef idx="1">
+        <a:scrgbClr r="0" g="0" b="0"/>
+      </a:fillRef>
+      <a:effectRef idx="0">
+        <a:scrgbClr r="0" g="0" b="0"/>
+      </a:effectRef>
+      <a:fontRef idx="minor"/>
+    </dgm:style>
+  </dgm:styleLbl>
+  <dgm:styleLbl name="fgAcc0">
+    <dgm:scene3d>
+      <a:camera prst="orthographicFront"/>
+      <a:lightRig rig="threePt" dir="t"/>
+    </dgm:scene3d>
+    <dgm:sp3d/>
+    <dgm:txPr/>
+    <dgm:style>
+      <a:lnRef idx="2">
+        <a:scrgbClr r="0" g="0" b="0"/>
+      </a:lnRef>
+      <a:fillRef idx="1">
+        <a:scrgbClr r="0" g="0" b="0"/>
+      </a:fillRef>
+      <a:effectRef idx="0">
+        <a:scrgbClr r="0" g="0" b="0"/>
+      </a:effectRef>
+      <a:fontRef idx="minor"/>
+    </dgm:style>
+  </dgm:styleLbl>
+  <dgm:styleLbl name="fgAcc2">
+    <dgm:scene3d>
+      <a:camera prst="orthographicFront"/>
+      <a:lightRig rig="threePt" dir="t"/>
+    </dgm:scene3d>
+    <dgm:sp3d/>
+    <dgm:txPr/>
+    <dgm:style>
+      <a:lnRef idx="2">
+        <a:scrgbClr r="0" g="0" b="0"/>
+      </a:lnRef>
+      <a:fillRef idx="1">
+        <a:scrgbClr r="0" g="0" b="0"/>
+      </a:fillRef>
+      <a:effectRef idx="0">
+        <a:scrgbClr r="0" g="0" b="0"/>
+      </a:effectRef>
+      <a:fontRef idx="minor"/>
+    </dgm:style>
+  </dgm:styleLbl>
+  <dgm:styleLbl name="fgAcc3">
+    <dgm:scene3d>
+      <a:camera prst="orthographicFront"/>
+      <a:lightRig rig="threePt" dir="t"/>
+    </dgm:scene3d>
+    <dgm:sp3d/>
+    <dgm:txPr/>
+    <dgm:style>
+      <a:lnRef idx="2">
+        <a:scrgbClr r="0" g="0" b="0"/>
+      </a:lnRef>
+      <a:fillRef idx="1">
+        <a:scrgbClr r="0" g="0" b="0"/>
+      </a:fillRef>
+      <a:effectRef idx="0">
+        <a:scrgbClr r="0" g="0" b="0"/>
+      </a:effectRef>
+      <a:fontRef idx="minor"/>
+    </dgm:style>
+  </dgm:styleLbl>
+  <dgm:styleLbl name="fgAcc4">
+    <dgm:scene3d>
+      <a:camera prst="orthographicFront"/>
+      <a:lightRig rig="threePt" dir="t"/>
+    </dgm:scene3d>
+    <dgm:sp3d/>
+    <dgm:txPr/>
+    <dgm:style>
+      <a:lnRef idx="2">
+        <a:scrgbClr r="0" g="0" b="0"/>
+      </a:lnRef>
+      <a:fillRef idx="1">
+        <a:scrgbClr r="0" g="0" b="0"/>
+      </a:fillRef>
+      <a:effectRef idx="0">
+        <a:scrgbClr r="0" g="0" b="0"/>
+      </a:effectRef>
+      <a:fontRef idx="minor"/>
+    </dgm:style>
+  </dgm:styleLbl>
+  <dgm:styleLbl name="bgShp">
+    <dgm:scene3d>
+      <a:camera prst="orthographicFront"/>
+      <a:lightRig rig="threePt" dir="t"/>
+    </dgm:scene3d>
+    <dgm:sp3d/>
+    <dgm:txPr/>
+    <dgm:style>
+      <a:lnRef idx="0">
+        <a:scrgbClr r="0" g="0" b="0"/>
+      </a:lnRef>
+      <a:fillRef idx="1">
+        <a:scrgbClr r="0" g="0" b="0"/>
+      </a:fillRef>
+      <a:effectRef idx="0">
+        <a:scrgbClr r="0" g="0" b="0"/>
+      </a:effectRef>
+      <a:fontRef idx="minor"/>
+    </dgm:style>
+  </dgm:styleLbl>
+  <dgm:styleLbl name="dkBgShp">
+    <dgm:scene3d>
+      <a:camera prst="orthographicFront"/>
+      <a:lightRig rig="threePt" dir="t"/>
+    </dgm:scene3d>
+    <dgm:sp3d/>
+    <dgm:txPr/>
+    <dgm:style>
+      <a:lnRef idx="0">
+        <a:scrgbClr r="0" g="0" b="0"/>
+      </a:lnRef>
+      <a:fillRef idx="1">
+        <a:scrgbClr r="0" g="0" b="0"/>
+      </a:fillRef>
+      <a:effectRef idx="0">
+        <a:scrgbClr r="0" g="0" b="0"/>
+      </a:effectRef>
+      <a:fontRef idx="minor"/>
+    </dgm:style>
+  </dgm:styleLbl>
+  <dgm:styleLbl name="trBgShp">
+    <dgm:scene3d>
+      <a:camera prst="orthographicFront"/>
+      <a:lightRig rig="threePt" dir="t"/>
+    </dgm:scene3d>
+    <dgm:sp3d/>
+    <dgm:txPr/>
+    <dgm:style>
+      <a:lnRef idx="0">
+        <a:scrgbClr r="0" g="0" b="0"/>
+      </a:lnRef>
+      <a:fillRef idx="1">
+        <a:scrgbClr r="0" g="0" b="0"/>
+      </a:fillRef>
+      <a:effectRef idx="0">
+        <a:scrgbClr r="0" g="0" b="0"/>
+      </a:effectRef>
+      <a:fontRef idx="minor"/>
+    </dgm:style>
+  </dgm:styleLbl>
+  <dgm:styleLbl name="fgShp">
+    <dgm:scene3d>
+      <a:camera prst="orthographicFront"/>
+      <a:lightRig rig="threePt" dir="t"/>
+    </dgm:scene3d>
+    <dgm:sp3d/>
+    <dgm:txPr/>
+    <dgm:style>
+      <a:lnRef idx="2">
+        <a:scrgbClr r="0" g="0" b="0"/>
+      </a:lnRef>
+      <a:fillRef idx="1">
+        <a:scrgbClr r="0" g="0" b="0"/>
+      </a:fillRef>
+      <a:effectRef idx="0">
+        <a:scrgbClr r="0" g="0" b="0"/>
+      </a:effectRef>
+      <a:fontRef idx="minor"/>
+    </dgm:style>
+  </dgm:styleLbl>
+  <dgm:styleLbl name="revTx">
+    <dgm:scene3d>
+      <a:camera prst="orthographicFront"/>
+      <a:lightRig rig="threePt" dir="t"/>
+    </dgm:scene3d>
+    <dgm:sp3d/>
+    <dgm:txPr/>
+    <dgm:style>
+      <a:lnRef idx="0">
+        <a:scrgbClr r="0" g="0" b="0"/>
+      </a:lnRef>
+      <a:fillRef idx="0">
+        <a:scrgbClr r="0" g="0" b="0"/>
+      </a:fillRef>
+      <a:effectRef idx="0">
+        <a:scrgbClr r="0" g="0" b="0"/>
+      </a:effectRef>
+      <a:fontRef idx="minor"/>
+    </dgm:style>
+  </dgm:styleLbl>
+</dgm:styleDef>
 </file>
 
 <file path=ppt/notesMasters/notesMaster1.xml><?xml version="1.0" encoding="utf-8"?>
@@ -196,7 +2587,7 @@
           <a:p>
             <a:fld id="{614F09A9-5A39-C546-8779-513C8B6E4A4B}" type="datetimeFigureOut">
               <a:rPr lang="en-US" smtClean="0"/>
-              <a:t>8/16/24</a:t>
+              <a:t>8/20/24</a:t>
             </a:fld>
             <a:endParaRPr lang="en-US"/>
           </a:p>
@@ -507,10 +2898,7 @@
           <a:bodyPr/>
           <a:lstStyle/>
           <a:p>
-            <a:r>
-              <a:rPr lang="en-US"/>
-              <a:t>Github is a web-based platform used for version control and collaboration. In this presentation, we will explore the basics of Github and its importance in software development.</a:t>
-            </a:r>
+            <a:endParaRPr lang="en-US" dirty="0"/>
           </a:p>
         </p:txBody>
       </p:sp>
@@ -594,10 +2982,7 @@
           <a:bodyPr/>
           <a:lstStyle/>
           <a:p>
-            <a:r>
-              <a:rPr lang="en-US"/>
-              <a:t>Github is a web-based platform that allows developers to store and share their code. It provides version control and collaboration features that make it easy to work on projects with others.</a:t>
-            </a:r>
+            <a:endParaRPr lang="en-US" dirty="0"/>
           </a:p>
         </p:txBody>
       </p:sp>
@@ -681,10 +3066,7 @@
           <a:bodyPr/>
           <a:lstStyle/>
           <a:p>
-            <a:r>
-              <a:rPr lang="en-US"/>
-              <a:t>Github is an essential tool for software developers. It allows developers to track changes to their code, collaborate with others, and deploy their code to production environments. It also provides a platform for open source projects, making it easy for developers to share and contribute to projects.</a:t>
-            </a:r>
+            <a:endParaRPr lang="en-US" dirty="0"/>
           </a:p>
         </p:txBody>
       </p:sp>
@@ -768,10 +3150,7 @@
           <a:bodyPr/>
           <a:lstStyle/>
           <a:p>
-            <a:r>
-              <a:rPr lang="en-US"/>
-              <a:t>To get started with Github, you need to create an account and a repository. A repository is a container for your code. You can add files to a repository, make changes to the code, and commit your changes. Github also provides collaboration features, such as pull requests and issues, to help you work with others.</a:t>
-            </a:r>
+            <a:endParaRPr lang="en-US" dirty="0"/>
           </a:p>
         </p:txBody>
       </p:sp>
@@ -857,7 +3236,7 @@
           <a:p>
             <a:r>
               <a:rPr lang="en-US"/>
-              <a:t>Github is a powerful tool for software developers. It provides version control and collaboration features that make it easy to work on projects with others. By following the basics of using Github, including creating repositories and testing pull and push requests, you can become proficient in using Github.</a:t>
+              <a:t>When working with Git, you'll want to use Git commit to save your changes to the repository. To use Git commit, you'll need to first stage the changes you want to commit. This can be done with Git add. Once you've staged your changes, you can then commit them with Git commit. It's important to write clear and concise commit messages to aid in collaboration and code maintenance. Your messages should be descriptive and explain what changes you're making to the code. The -m flag is used to provide a brief description of the changes. You should aim to keep your commit messages short and to the point. By using Git commit correctly, you can easily manage changes to your code and collaborate with others.</a:t>
             </a:r>
           </a:p>
         </p:txBody>
@@ -877,9 +3256,93 @@
           <a:bodyPr/>
           <a:lstStyle/>
           <a:p>
+            <a:fld id="{4D924E4D-2AF6-F146-8696-E08D9773F0D3}" type="slidenum">
+              <a:rPr lang="en-US" smtClean="0"/>
+              <a:t>5</a:t>
+            </a:fld>
+            <a:endParaRPr lang="en-US"/>
+          </a:p>
+        </p:txBody>
+      </p:sp>
+    </p:spTree>
+    <p:extLst>
+      <p:ext uri="{BB962C8B-B14F-4D97-AF65-F5344CB8AC3E}">
+        <p14:creationId xmlns:p14="http://schemas.microsoft.com/office/powerpoint/2010/main" val="655617848"/>
+      </p:ext>
+    </p:extLst>
+  </p:cSld>
+  <p:clrMapOvr>
+    <a:masterClrMapping/>
+  </p:clrMapOvr>
+</p:notes>
+</file>
+
+<file path=ppt/notesSlides/notesSlide6.xml><?xml version="1.0" encoding="utf-8"?>
+<p:notes xmlns:a="http://schemas.openxmlformats.org/drawingml/2006/main" xmlns:r="http://schemas.openxmlformats.org/officeDocument/2006/relationships" xmlns:p="http://schemas.openxmlformats.org/presentationml/2006/main">
+  <p:cSld>
+    <p:spTree>
+      <p:nvGrpSpPr>
+        <p:cNvPr id="1" name=""/>
+        <p:cNvGrpSpPr/>
+        <p:nvPr/>
+      </p:nvGrpSpPr>
+      <p:grpSpPr>
+        <a:xfrm>
+          <a:off x="0" y="0"/>
+          <a:ext cx="0" cy="0"/>
+          <a:chOff x="0" y="0"/>
+          <a:chExt cx="0" cy="0"/>
+        </a:xfrm>
+      </p:grpSpPr>
+      <p:sp>
+        <p:nvSpPr>
+          <p:cNvPr id="2" name="Slide Image Placeholder 1"/>
+          <p:cNvSpPr>
+            <a:spLocks noGrp="1" noRot="1" noChangeAspect="1"/>
+          </p:cNvSpPr>
+          <p:nvPr>
+            <p:ph type="sldImg"/>
+          </p:nvPr>
+        </p:nvSpPr>
+        <p:spPr/>
+      </p:sp>
+      <p:sp>
+        <p:nvSpPr>
+          <p:cNvPr id="3" name="Notes Placeholder 2"/>
+          <p:cNvSpPr>
+            <a:spLocks noGrp="1"/>
+          </p:cNvSpPr>
+          <p:nvPr>
+            <p:ph type="body" idx="1"/>
+          </p:nvPr>
+        </p:nvSpPr>
+        <p:spPr/>
+        <p:txBody>
+          <a:bodyPr/>
+          <a:lstStyle/>
+          <a:p>
+            <a:endParaRPr lang="en-US" dirty="0"/>
+          </a:p>
+        </p:txBody>
+      </p:sp>
+      <p:sp>
+        <p:nvSpPr>
+          <p:cNvPr id="4" name="Slide Number Placeholder 3"/>
+          <p:cNvSpPr>
+            <a:spLocks noGrp="1"/>
+          </p:cNvSpPr>
+          <p:nvPr>
+            <p:ph type="sldNum" sz="quarter" idx="5"/>
+          </p:nvPr>
+        </p:nvSpPr>
+        <p:spPr/>
+        <p:txBody>
+          <a:bodyPr/>
+          <a:lstStyle/>
+          <a:p>
             <a:fld id="{47E8F09B-8E48-E340-BC85-F7EEC9F1A10A}" type="slidenum">
               <a:rPr lang="en-US" smtClean="0"/>
-              <a:t>5</a:t>
+              <a:t>6</a:t>
             </a:fld>
             <a:endParaRPr lang="en-US"/>
           </a:p>
@@ -1054,7 +3517,7 @@
           <a:p>
             <a:fld id="{6444479B-705B-4489-957E-7E8A228BDFA0}" type="datetime1">
               <a:rPr lang="en-US" smtClean="0"/>
-              <a:t>8/16/24</a:t>
+              <a:t>8/20/24</a:t>
             </a:fld>
             <a:endParaRPr lang="en-US"/>
           </a:p>
@@ -1254,7 +3717,7 @@
           <a:p>
             <a:fld id="{C07B66AD-7C08-490A-ADA4-B47E10FB2407}" type="datetime1">
               <a:rPr lang="en-US" smtClean="0"/>
-              <a:t>8/16/24</a:t>
+              <a:t>8/20/24</a:t>
             </a:fld>
             <a:endParaRPr lang="en-US"/>
           </a:p>
@@ -1513,7 +3976,7 @@
           <a:p>
             <a:fld id="{05B95027-4255-49E7-9841-CD21BCC99996}" type="datetime1">
               <a:rPr lang="en-US" smtClean="0"/>
-              <a:t>8/16/24</a:t>
+              <a:t>8/20/24</a:t>
             </a:fld>
             <a:endParaRPr lang="en-US"/>
           </a:p>
@@ -1754,7 +4217,7 @@
           <a:p>
             <a:fld id="{9F89F774-3FA6-43B8-9241-99959C8FD463}" type="datetime1">
               <a:rPr lang="en-US" smtClean="0"/>
-              <a:t>8/16/24</a:t>
+              <a:t>8/20/24</a:t>
             </a:fld>
             <a:endParaRPr lang="en-US"/>
           </a:p>
@@ -2081,7 +4544,7 @@
           <a:p>
             <a:fld id="{F9504452-5DCC-4FE2-A5C9-8A5EF6714D65}" type="datetime1">
               <a:rPr lang="en-US" smtClean="0"/>
-              <a:t>8/16/24</a:t>
+              <a:t>8/20/24</a:t>
             </a:fld>
             <a:endParaRPr lang="en-US"/>
           </a:p>
@@ -2391,7 +4854,7 @@
           <a:p>
             <a:fld id="{E579ABC2-0180-4F3A-A895-A85BC724D472}" type="datetime1">
               <a:rPr lang="en-US" smtClean="0"/>
-              <a:t>8/16/24</a:t>
+              <a:t>8/20/24</a:t>
             </a:fld>
             <a:endParaRPr lang="en-US"/>
           </a:p>
@@ -2809,7 +5272,7 @@
           <a:p>
             <a:fld id="{6AEEA9BA-4E8F-439E-BEA4-91FBA01E3F5F}" type="datetime1">
               <a:rPr lang="en-US" smtClean="0"/>
-              <a:t>8/16/24</a:t>
+              <a:t>8/20/24</a:t>
             </a:fld>
             <a:endParaRPr lang="en-US"/>
           </a:p>
@@ -2951,7 +5414,7 @@
           <a:p>
             <a:fld id="{BE15BF18-0007-481C-AA29-413124BC3EE7}" type="datetime1">
               <a:rPr lang="en-US" smtClean="0"/>
-              <a:t>8/16/24</a:t>
+              <a:t>8/20/24</a:t>
             </a:fld>
             <a:endParaRPr lang="en-US"/>
           </a:p>
@@ -3113,7 +5576,7 @@
           <a:p>
             <a:fld id="{09BE9870-3748-43AD-B547-02A075CB4A1D}" type="datetime1">
               <a:rPr lang="en-US" smtClean="0"/>
-              <a:t>8/16/24</a:t>
+              <a:t>8/20/24</a:t>
             </a:fld>
             <a:endParaRPr lang="en-US"/>
           </a:p>
@@ -3430,7 +5893,7 @@
           <a:p>
             <a:fld id="{558E7897-33C5-4F1A-9307-D068E37F3DC7}" type="datetime1">
               <a:rPr lang="en-US" smtClean="0"/>
-              <a:t>8/16/24</a:t>
+              <a:t>8/20/24</a:t>
             </a:fld>
             <a:endParaRPr lang="en-US"/>
           </a:p>
@@ -3725,7 +6188,7 @@
           <a:p>
             <a:fld id="{82E171BA-CC09-47C8-A6DF-F5C5CB59CEEC}" type="datetime1">
               <a:rPr lang="en-US" smtClean="0"/>
-              <a:t>8/16/24</a:t>
+              <a:t>8/20/24</a:t>
             </a:fld>
             <a:endParaRPr lang="en-US"/>
           </a:p>
@@ -3966,7 +6429,7 @@
           <a:p>
             <a:fld id="{7DA38F49-B3E2-4BF0-BEC7-C30D34ABBB8D}" type="datetime1">
               <a:rPr lang="en-US" smtClean="0"/>
-              <a:t>8/16/24</a:t>
+              <a:t>8/20/24</a:t>
             </a:fld>
             <a:endParaRPr lang="en-US"/>
           </a:p>
@@ -4484,10 +6947,10 @@
       </p:grpSpPr>
       <p:sp useBgFill="1">
         <p:nvSpPr>
-          <p:cNvPr id="9" name="Rectangle 8">
-            <a:extLst>
-              <a:ext uri="{FF2B5EF4-FFF2-40B4-BE49-F238E27FC236}">
-                <a16:creationId xmlns:a16="http://schemas.microsoft.com/office/drawing/2014/main" id="{19F9BF86-FE94-4517-B97D-026C7515E589}"/>
+          <p:cNvPr id="18" name="Rectangle 17">
+            <a:extLst>
+              <a:ext uri="{FF2B5EF4-FFF2-40B4-BE49-F238E27FC236}">
+                <a16:creationId xmlns:a16="http://schemas.microsoft.com/office/drawing/2014/main" id="{46B9231A-B34B-4A29-A6AC-532E1EE81575}"/>
               </a:ext>
               <a:ext uri="{C183D7F6-B498-43B3-948B-1728B52AA6E4}">
                 <adec:decorative xmlns:adec="http://schemas.microsoft.com/office/drawing/2017/decorative" val="1"/>
@@ -4553,37 +7016,8 @@
           <a:bodyPr rtlCol="0" anchor="ctr"/>
           <a:lstStyle/>
           <a:p>
-            <a:pPr marL="0" marR="0" lvl="0" indent="0" algn="ctr" defTabSz="914400" rtl="0" eaLnBrk="1" fontAlgn="auto" latinLnBrk="0" hangingPunct="1">
-              <a:lnSpc>
-                <a:spcPct val="100000"/>
-              </a:lnSpc>
-              <a:spcBef>
-                <a:spcPts val="0"/>
-              </a:spcBef>
-              <a:spcAft>
-                <a:spcPts val="0"/>
-              </a:spcAft>
-              <a:buClrTx/>
-              <a:buSzTx/>
-              <a:buFontTx/>
-              <a:buNone/>
-              <a:tabLst/>
-              <a:defRPr/>
-            </a:pPr>
-            <a:endParaRPr kumimoji="0" lang="en-US" sz="1800" b="0" i="0" u="none" strike="noStrike" kern="1200" cap="none" spc="0" normalizeH="0" baseline="0" noProof="0">
-              <a:ln>
-                <a:noFill/>
-              </a:ln>
-              <a:solidFill>
-                <a:prstClr val="white"/>
-              </a:solidFill>
-              <a:effectLst/>
-              <a:uLnTx/>
-              <a:uFillTx/>
-              <a:latin typeface="Grandview Display"/>
-              <a:ea typeface="+mn-ea"/>
-              <a:cs typeface="+mn-cs"/>
-            </a:endParaRPr>
+            <a:pPr algn="ctr"/>
+            <a:endParaRPr lang="en-US"/>
           </a:p>
         </p:txBody>
       </p:sp>
@@ -4602,14 +7036,16 @@
           <p:nvPr/>
         </p:nvPicPr>
         <p:blipFill>
-          <a:blip r:embed="rId3"/>
-          <a:srcRect t="3311" b="12419"/>
+          <a:blip r:embed="rId3">
+            <a:alphaModFix amt="40000"/>
+          </a:blip>
+          <a:srcRect l="1444" t="7143" r="7647" b="16250"/>
           <a:stretch/>
         </p:blipFill>
         <p:spPr>
           <a:xfrm>
-            <a:off x="1" y="10"/>
-            <a:ext cx="12192000" cy="6857990"/>
+            <a:off x="20" y="152"/>
+            <a:ext cx="12191980" cy="6857848"/>
           </a:xfrm>
           <a:prstGeom prst="rect">
             <a:avLst/>
@@ -4618,19 +7054,97 @@
       </p:pic>
       <p:sp>
         <p:nvSpPr>
-          <p:cNvPr id="11" name="Rectangle 10">
-            <a:extLst>
-              <a:ext uri="{FF2B5EF4-FFF2-40B4-BE49-F238E27FC236}">
-                <a16:creationId xmlns:a16="http://schemas.microsoft.com/office/drawing/2014/main" id="{36136311-C81B-47C5-AE0A-5641A5A59520}"/>
+          <p:cNvPr id="2" name="Title 1">
+            <a:extLst>
+              <a:ext uri="{FF2B5EF4-FFF2-40B4-BE49-F238E27FC236}">
+                <a16:creationId xmlns:a16="http://schemas.microsoft.com/office/drawing/2014/main" id="{475F54CD-6F94-C3E7-CA3D-2630D8DD959E}"/>
+              </a:ext>
+            </a:extLst>
+          </p:cNvPr>
+          <p:cNvSpPr>
+            <a:spLocks noGrp="1"/>
+          </p:cNvSpPr>
+          <p:nvPr>
+            <p:ph type="ctrTitle"/>
+          </p:nvPr>
+        </p:nvSpPr>
+        <p:spPr>
+          <a:xfrm>
+            <a:off x="640080" y="985233"/>
+            <a:ext cx="5758628" cy="3355853"/>
+          </a:xfrm>
+        </p:spPr>
+        <p:txBody>
+          <a:bodyPr anchor="t">
+            <a:normAutofit/>
+          </a:bodyPr>
+          <a:lstStyle/>
+          <a:p>
+            <a:r>
+              <a:rPr lang="en-US" sz="6000">
+                <a:solidFill>
+                  <a:srgbClr val="FFFFFF"/>
+                </a:solidFill>
+              </a:rPr>
+              <a:t>Introduction to Github</a:t>
+            </a:r>
+          </a:p>
+        </p:txBody>
+      </p:sp>
+      <p:sp>
+        <p:nvSpPr>
+          <p:cNvPr id="3" name="Subtitle 2">
+            <a:extLst>
+              <a:ext uri="{FF2B5EF4-FFF2-40B4-BE49-F238E27FC236}">
+                <a16:creationId xmlns:a16="http://schemas.microsoft.com/office/drawing/2014/main" id="{0F502C31-868C-5E73-5503-F161EF4F1260}"/>
+              </a:ext>
+            </a:extLst>
+          </p:cNvPr>
+          <p:cNvSpPr>
+            <a:spLocks noGrp="1"/>
+          </p:cNvSpPr>
+          <p:nvPr>
+            <p:ph type="subTitle" idx="1"/>
+          </p:nvPr>
+        </p:nvSpPr>
+        <p:spPr>
+          <a:xfrm>
+            <a:off x="640080" y="5251621"/>
+            <a:ext cx="4439920" cy="1104721"/>
+          </a:xfrm>
+        </p:spPr>
+        <p:txBody>
+          <a:bodyPr anchor="t">
+            <a:normAutofit/>
+          </a:bodyPr>
+          <a:lstStyle/>
+          <a:p>
+            <a:r>
+              <a:rPr lang="en-US">
+                <a:solidFill>
+                  <a:srgbClr val="FFFFFF"/>
+                </a:solidFill>
+              </a:rPr>
+              <a:t>Greg heffner</a:t>
+            </a:r>
+          </a:p>
+        </p:txBody>
+      </p:sp>
+      <p:cxnSp>
+        <p:nvCxnSpPr>
+          <p:cNvPr id="20" name="Straight Connector 19">
+            <a:extLst>
+              <a:ext uri="{FF2B5EF4-FFF2-40B4-BE49-F238E27FC236}">
+                <a16:creationId xmlns:a16="http://schemas.microsoft.com/office/drawing/2014/main" id="{F0CE0765-E93C-4D37-9D5F-D464EFB10FA7}"/>
               </a:ext>
               <a:ext uri="{C183D7F6-B498-43B3-948B-1728B52AA6E4}">
                 <adec:decorative xmlns:adec="http://schemas.microsoft.com/office/drawing/2017/decorative" val="1"/>
               </a:ext>
             </a:extLst>
           </p:cNvPr>
-          <p:cNvSpPr>
-            <a:spLocks noGrp="1" noRot="1" noChangeAspect="1" noMove="1" noResize="1" noEditPoints="1" noAdjustHandles="1" noChangeArrowheads="1" noChangeShapeType="1" noTextEdit="1"/>
-          </p:cNvSpPr>
+          <p:cNvCxnSpPr>
+            <a:cxnSpLocks noGrp="1" noRot="1" noChangeAspect="1" noMove="1" noResize="1" noEditPoints="1" noAdjustHandles="1" noChangeArrowheads="1" noChangeShapeType="1"/>
+          </p:cNvCxnSpPr>
           <p:nvPr>
             <p:extLst>
               <p:ext uri="{386F3935-93C4-4BCD-93E2-E3B085C9AB24}">
@@ -4638,183 +7152,11 @@
               </p:ext>
             </p:extLst>
           </p:nvPr>
-        </p:nvSpPr>
+        </p:nvCxnSpPr>
         <p:spPr>
           <a:xfrm>
-            <a:off x="294444" y="1066800"/>
-            <a:ext cx="4682990" cy="4724400"/>
-          </a:xfrm>
-          <a:prstGeom prst="rect">
-            <a:avLst/>
-          </a:prstGeom>
-          <a:solidFill>
-            <a:schemeClr val="bg1">
-              <a:alpha val="40000"/>
-            </a:schemeClr>
-          </a:solidFill>
-          <a:ln w="12700" cap="flat" cmpd="sng" algn="ctr">
-            <a:noFill/>
-            <a:prstDash val="solid"/>
-            <a:miter lim="800000"/>
-          </a:ln>
-          <a:effectLst/>
-        </p:spPr>
-        <p:style>
-          <a:lnRef idx="2">
-            <a:schemeClr val="accent1">
-              <a:shade val="50000"/>
-            </a:schemeClr>
-          </a:lnRef>
-          <a:fillRef idx="1">
-            <a:schemeClr val="accent1"/>
-          </a:fillRef>
-          <a:effectRef idx="0">
-            <a:schemeClr val="accent1"/>
-          </a:effectRef>
-          <a:fontRef idx="minor">
-            <a:schemeClr val="lt1"/>
-          </a:fontRef>
-        </p:style>
-        <p:txBody>
-          <a:bodyPr rtlCol="0" anchor="ctr"/>
-          <a:lstStyle/>
-          <a:p>
-            <a:pPr marL="0" marR="0" lvl="0" indent="0" algn="ctr" defTabSz="914400" rtl="0" eaLnBrk="1" fontAlgn="auto" latinLnBrk="0" hangingPunct="1">
-              <a:lnSpc>
-                <a:spcPct val="100000"/>
-              </a:lnSpc>
-              <a:spcBef>
-                <a:spcPts val="0"/>
-              </a:spcBef>
-              <a:spcAft>
-                <a:spcPts val="0"/>
-              </a:spcAft>
-              <a:buClrTx/>
-              <a:buSzTx/>
-              <a:buFontTx/>
-              <a:buNone/>
-              <a:tabLst/>
-              <a:defRPr/>
-            </a:pPr>
-            <a:endParaRPr kumimoji="0" lang="en-US" sz="1800" b="0" i="0" u="none" strike="noStrike" kern="1200" cap="none" spc="0" normalizeH="0" baseline="0" noProof="0">
-              <a:ln>
-                <a:noFill/>
-              </a:ln>
-              <a:solidFill>
-                <a:prstClr val="white"/>
-              </a:solidFill>
-              <a:effectLst/>
-              <a:uLnTx/>
-              <a:uFillTx/>
-              <a:latin typeface="Grandview Display"/>
-              <a:ea typeface="+mn-ea"/>
-              <a:cs typeface="+mn-cs"/>
-            </a:endParaRPr>
-          </a:p>
-        </p:txBody>
-      </p:sp>
-      <p:sp>
-        <p:nvSpPr>
-          <p:cNvPr id="2" name="Title 1">
-            <a:extLst>
-              <a:ext uri="{FF2B5EF4-FFF2-40B4-BE49-F238E27FC236}">
-                <a16:creationId xmlns:a16="http://schemas.microsoft.com/office/drawing/2014/main" id="{475F54CD-6F94-C3E7-CA3D-2630D8DD959E}"/>
-              </a:ext>
-            </a:extLst>
-          </p:cNvPr>
-          <p:cNvSpPr>
-            <a:spLocks noGrp="1"/>
-          </p:cNvSpPr>
-          <p:nvPr>
-            <p:ph type="ctrTitle"/>
-          </p:nvPr>
-        </p:nvSpPr>
-        <p:spPr>
-          <a:xfrm>
-            <a:off x="804818" y="1562101"/>
-            <a:ext cx="3905203" cy="2738530"/>
-          </a:xfrm>
-        </p:spPr>
-        <p:txBody>
-          <a:bodyPr anchor="t">
-            <a:normAutofit/>
-          </a:bodyPr>
-          <a:lstStyle/>
-          <a:p>
-            <a:r>
-              <a:rPr lang="en-US" sz="4800"/>
-              <a:t>Introduction to Github</a:t>
-            </a:r>
-          </a:p>
-        </p:txBody>
-      </p:sp>
-      <p:sp>
-        <p:nvSpPr>
-          <p:cNvPr id="3" name="Subtitle 2">
-            <a:extLst>
-              <a:ext uri="{FF2B5EF4-FFF2-40B4-BE49-F238E27FC236}">
-                <a16:creationId xmlns:a16="http://schemas.microsoft.com/office/drawing/2014/main" id="{0F502C31-868C-5E73-5503-F161EF4F1260}"/>
-              </a:ext>
-            </a:extLst>
-          </p:cNvPr>
-          <p:cNvSpPr>
-            <a:spLocks noGrp="1"/>
-          </p:cNvSpPr>
-          <p:nvPr>
-            <p:ph type="subTitle" idx="1"/>
-          </p:nvPr>
-        </p:nvSpPr>
-        <p:spPr>
-          <a:xfrm>
-            <a:off x="804818" y="4321622"/>
-            <a:ext cx="3816351" cy="941832"/>
-          </a:xfrm>
-        </p:spPr>
-        <p:txBody>
-          <a:bodyPr>
-            <a:normAutofit/>
-          </a:bodyPr>
-          <a:lstStyle/>
-          <a:p>
-            <a:pPr>
-              <a:lnSpc>
-                <a:spcPct val="120000"/>
-              </a:lnSpc>
-            </a:pPr>
-            <a:r>
-              <a:rPr lang="en-US" sz="1500"/>
-              <a:t>The importance of version control in software development</a:t>
-            </a:r>
-          </a:p>
-        </p:txBody>
-      </p:sp>
-      <p:cxnSp>
-        <p:nvCxnSpPr>
-          <p:cNvPr id="13" name="Straight Connector 12">
-            <a:extLst>
-              <a:ext uri="{FF2B5EF4-FFF2-40B4-BE49-F238E27FC236}">
-                <a16:creationId xmlns:a16="http://schemas.microsoft.com/office/drawing/2014/main" id="{7CC73A33-65FF-41A9-A3B0-006753CD1028}"/>
-              </a:ext>
-              <a:ext uri="{C183D7F6-B498-43B3-948B-1728B52AA6E4}">
-                <adec:decorative xmlns:adec="http://schemas.microsoft.com/office/drawing/2017/decorative" val="1"/>
-              </a:ext>
-            </a:extLst>
-          </p:cNvPr>
-          <p:cNvCxnSpPr>
-            <a:cxnSpLocks noGrp="1" noRot="1" noChangeAspect="1" noMove="1" noResize="1" noEditPoints="1" noAdjustHandles="1" noChangeArrowheads="1" noChangeShapeType="1"/>
-          </p:cNvCxnSpPr>
-          <p:nvPr>
-            <p:extLst>
-              <p:ext uri="{386F3935-93C4-4BCD-93E2-E3B085C9AB24}">
-                <p16:designElem xmlns:p16="http://schemas.microsoft.com/office/powerpoint/2015/main" val="1"/>
-              </p:ext>
-            </p:extLst>
-          </p:nvPr>
-        </p:nvCxnSpPr>
-        <p:spPr>
-          <a:xfrm rot="10800000" flipV="1">
-            <a:off x="305077" y="1063752"/>
-            <a:ext cx="0" cy="4727448"/>
+            <a:off x="713232" y="4954368"/>
+            <a:ext cx="978862" cy="0"/>
           </a:xfrm>
           <a:prstGeom prst="line">
             <a:avLst/>
@@ -5054,7 +7396,7 @@
       </p:grpSpPr>
       <p:cxnSp>
         <p:nvCxnSpPr>
-          <p:cNvPr id="10" name="Straight Connector 9">
+          <p:cNvPr id="19" name="Straight Connector 18">
             <a:extLst>
               <a:ext uri="{FF2B5EF4-FFF2-40B4-BE49-F238E27FC236}">
                 <a16:creationId xmlns:a16="http://schemas.microsoft.com/office/drawing/2014/main" id="{118E06E4-607B-144B-382B-AD3D06B1EE8C}"/>
@@ -5102,7 +7444,7 @@
       </p:cxnSp>
       <p:sp useBgFill="1">
         <p:nvSpPr>
-          <p:cNvPr id="12" name="Rectangle 11">
+          <p:cNvPr id="21" name="Rectangle 20">
             <a:extLst>
               <a:ext uri="{FF2B5EF4-FFF2-40B4-BE49-F238E27FC236}">
                 <a16:creationId xmlns:a16="http://schemas.microsoft.com/office/drawing/2014/main" id="{744CAA32-F237-419C-A2DD-43C28D920D3C}"/>
@@ -5194,13 +7536,13 @@
         </p:nvPicPr>
         <p:blipFill>
           <a:blip r:embed="rId3"/>
-          <a:srcRect r="5624" b="-1"/>
+          <a:srcRect r="16996" b="2"/>
           <a:stretch/>
         </p:blipFill>
         <p:spPr>
           <a:xfrm>
-            <a:off x="20" y="535709"/>
-            <a:ext cx="8229580" cy="5820640"/>
+            <a:off x="-1" y="914399"/>
+            <a:ext cx="6657255" cy="5353523"/>
           </a:xfrm>
           <a:prstGeom prst="rect">
             <a:avLst/>
@@ -5209,10 +7551,10 @@
       </p:pic>
       <p:cxnSp>
         <p:nvCxnSpPr>
-          <p:cNvPr id="14" name="Straight Connector 13">
-            <a:extLst>
-              <a:ext uri="{FF2B5EF4-FFF2-40B4-BE49-F238E27FC236}">
-                <a16:creationId xmlns:a16="http://schemas.microsoft.com/office/drawing/2014/main" id="{02C7985C-B0C3-CC50-E86A-B5EBA40E01DF}"/>
+          <p:cNvPr id="23" name="Straight Connector 22">
+            <a:extLst>
+              <a:ext uri="{FF2B5EF4-FFF2-40B4-BE49-F238E27FC236}">
+                <a16:creationId xmlns:a16="http://schemas.microsoft.com/office/drawing/2014/main" id="{08052531-D50B-3899-B150-D05525F4F2BC}"/>
               </a:ext>
               <a:ext uri="{C183D7F6-B498-43B3-948B-1728B52AA6E4}">
                 <adec:decorative xmlns:adec="http://schemas.microsoft.com/office/drawing/2017/decorative" val="1"/>
@@ -5231,9 +7573,9 @@
           </p:nvPr>
         </p:nvCxnSpPr>
         <p:spPr>
-          <a:xfrm>
-            <a:off x="-1" y="6359240"/>
-            <a:ext cx="8229600" cy="0"/>
+          <a:xfrm flipV="1">
+            <a:off x="0" y="6267922"/>
+            <a:ext cx="6656832" cy="1"/>
           </a:xfrm>
           <a:prstGeom prst="line">
             <a:avLst/>
@@ -5273,12 +7615,12 @@
         </p:nvSpPr>
         <p:spPr>
           <a:xfrm>
-            <a:off x="8719126" y="979051"/>
-            <a:ext cx="2811879" cy="1807048"/>
+            <a:off x="7269904" y="914400"/>
+            <a:ext cx="4261104" cy="1097280"/>
           </a:xfrm>
         </p:spPr>
         <p:txBody>
-          <a:bodyPr vert="horz" lIns="91440" tIns="45720" rIns="91440" bIns="45720" rtlCol="0" anchor="b">
+          <a:bodyPr vert="horz" lIns="91440" tIns="45720" rIns="91440" bIns="45720" rtlCol="0" anchor="t">
             <a:normAutofit/>
           </a:bodyPr>
           <a:lstStyle/>
@@ -5318,8 +7660,8 @@
         </p:nvSpPr>
         <p:spPr>
           <a:xfrm>
-            <a:off x="8719128" y="2922624"/>
-            <a:ext cx="2811880" cy="3409950"/>
+            <a:off x="7269905" y="2176036"/>
+            <a:ext cx="4261104" cy="4121887"/>
           </a:xfrm>
         </p:spPr>
         <p:txBody>
@@ -5334,18 +7676,18 @@
               </a:spcBef>
               <a:buNone/>
             </a:pPr>
-            <a:endParaRPr lang="en-US" sz="1400" b="1" dirty="0"/>
+            <a:endParaRPr lang="en-US" b="1"/>
           </a:p>
           <a:p>
             <a:pPr marL="0" lvl="1" indent="0">
               <a:buNone/>
             </a:pPr>
             <a:r>
-              <a:rPr lang="en-US" sz="1400" dirty="0" err="1"/>
+              <a:rPr lang="en-US" err="1"/>
               <a:t>Github</a:t>
             </a:r>
             <a:r>
-              <a:rPr lang="en-US" sz="1400" dirty="0"/>
+              <a:rPr lang="en-US"/>
               <a:t> is a web-based platform that allows developers to store and share their code with others. It provides an easy way to manage code repositories and track changes over time using version control.</a:t>
             </a:r>
           </a:p>
@@ -5486,7 +7828,7 @@
       </p:grpSpPr>
       <p:cxnSp>
         <p:nvCxnSpPr>
-          <p:cNvPr id="10" name="Straight Connector 9">
+          <p:cNvPr id="19" name="Straight Connector 18">
             <a:extLst>
               <a:ext uri="{FF2B5EF4-FFF2-40B4-BE49-F238E27FC236}">
                 <a16:creationId xmlns:a16="http://schemas.microsoft.com/office/drawing/2014/main" id="{118E06E4-607B-144B-382B-AD3D06B1EE8C}"/>
@@ -5534,10 +7876,10 @@
       </p:cxnSp>
       <p:sp useBgFill="1">
         <p:nvSpPr>
-          <p:cNvPr id="12" name="Rectangle 11">
-            <a:extLst>
-              <a:ext uri="{FF2B5EF4-FFF2-40B4-BE49-F238E27FC236}">
-                <a16:creationId xmlns:a16="http://schemas.microsoft.com/office/drawing/2014/main" id="{8FCE029E-5073-4498-8104-8427AA987352}"/>
+          <p:cNvPr id="21" name="Rectangle 20">
+            <a:extLst>
+              <a:ext uri="{FF2B5EF4-FFF2-40B4-BE49-F238E27FC236}">
+                <a16:creationId xmlns:a16="http://schemas.microsoft.com/office/drawing/2014/main" id="{744CAA32-F237-419C-A2DD-43C28D920D3C}"/>
               </a:ext>
               <a:ext uri="{C183D7F6-B498-43B3-948B-1728B52AA6E4}">
                 <adec:decorative xmlns:adec="http://schemas.microsoft.com/office/drawing/2017/decorative" val="1"/>
@@ -5603,77 +7945,17 @@
           <a:bodyPr rtlCol="0" anchor="ctr"/>
           <a:lstStyle/>
           <a:p>
-            <a:pPr marL="0" marR="0" lvl="0" indent="0" algn="ctr" defTabSz="914400" rtl="0" eaLnBrk="1" fontAlgn="auto" latinLnBrk="0" hangingPunct="1">
-              <a:lnSpc>
-                <a:spcPct val="100000"/>
-              </a:lnSpc>
-              <a:spcBef>
-                <a:spcPts val="0"/>
-              </a:spcBef>
-              <a:spcAft>
-                <a:spcPts val="0"/>
-              </a:spcAft>
-              <a:buClrTx/>
-              <a:buSzTx/>
-              <a:buFontTx/>
-              <a:buNone/>
-              <a:tabLst/>
-              <a:defRPr/>
-            </a:pPr>
-            <a:endParaRPr kumimoji="0" lang="en-US" sz="1800" b="0" i="0" u="none" strike="noStrike" kern="1200" cap="none" spc="0" normalizeH="0" baseline="0" noProof="0">
-              <a:ln>
-                <a:noFill/>
-              </a:ln>
-              <a:solidFill>
-                <a:prstClr val="white"/>
-              </a:solidFill>
-              <a:effectLst/>
-              <a:uLnTx/>
-              <a:uFillTx/>
-              <a:latin typeface="Grandview Display"/>
-              <a:ea typeface="+mn-ea"/>
-              <a:cs typeface="+mn-cs"/>
-            </a:endParaRPr>
-          </a:p>
-        </p:txBody>
-      </p:sp>
-      <p:pic>
-        <p:nvPicPr>
-          <p:cNvPr id="5" name="Content Placeholder 4" descr="People working on a computer">
-            <a:extLst>
-              <a:ext uri="{FF2B5EF4-FFF2-40B4-BE49-F238E27FC236}">
-                <a16:creationId xmlns:a16="http://schemas.microsoft.com/office/drawing/2014/main" id="{0D9EC8A1-DBFE-44B4-8068-007517189E09}"/>
-              </a:ext>
-            </a:extLst>
-          </p:cNvPr>
-          <p:cNvPicPr>
-            <a:picLocks noGrp="1" noChangeAspect="1"/>
-          </p:cNvPicPr>
-          <p:nvPr>
-            <p:ph sz="half" idx="1"/>
-          </p:nvPr>
-        </p:nvPicPr>
-        <p:blipFill>
-          <a:blip r:embed="rId3"/>
-          <a:srcRect l="10498" r="1" b="1"/>
-          <a:stretch/>
-        </p:blipFill>
-        <p:spPr>
-          <a:xfrm>
-            <a:off x="1" y="2613892"/>
-            <a:ext cx="4946906" cy="3689359"/>
-          </a:xfrm>
-          <a:prstGeom prst="rect">
-            <a:avLst/>
-          </a:prstGeom>
-        </p:spPr>
-      </p:pic>
+            <a:pPr algn="ctr"/>
+            <a:endParaRPr lang="en-US"/>
+          </a:p>
+        </p:txBody>
+      </p:sp>
       <p:cxnSp>
         <p:nvCxnSpPr>
-          <p:cNvPr id="14" name="Straight Connector 13">
-            <a:extLst>
-              <a:ext uri="{FF2B5EF4-FFF2-40B4-BE49-F238E27FC236}">
-                <a16:creationId xmlns:a16="http://schemas.microsoft.com/office/drawing/2014/main" id="{BEFF515C-2521-4964-9DAC-2BFB8EC86AE4}"/>
+          <p:cNvPr id="23" name="Straight Connector 22">
+            <a:extLst>
+              <a:ext uri="{FF2B5EF4-FFF2-40B4-BE49-F238E27FC236}">
+                <a16:creationId xmlns:a16="http://schemas.microsoft.com/office/drawing/2014/main" id="{753FE100-D0AB-4AE2-824B-60CFA31EC6A2}"/>
               </a:ext>
               <a:ext uri="{C183D7F6-B498-43B3-948B-1728B52AA6E4}">
                 <adec:decorative xmlns:adec="http://schemas.microsoft.com/office/drawing/2017/decorative" val="1"/>
@@ -5692,9 +7974,9 @@
           </p:nvPr>
         </p:nvCxnSpPr>
         <p:spPr>
-          <a:xfrm flipV="1">
-            <a:off x="0" y="6274446"/>
-            <a:ext cx="4946904" cy="1"/>
+          <a:xfrm>
+            <a:off x="716281" y="1031001"/>
+            <a:ext cx="978862" cy="0"/>
           </a:xfrm>
           <a:prstGeom prst="line">
             <a:avLst/>
@@ -5716,26 +7998,57 @@
           </a:fontRef>
         </p:style>
       </p:cxnSp>
-      <p:sp>
-        <p:nvSpPr>
-          <p:cNvPr id="2" name="Title 1">
-            <a:extLst>
-              <a:ext uri="{FF2B5EF4-FFF2-40B4-BE49-F238E27FC236}">
-                <a16:creationId xmlns:a16="http://schemas.microsoft.com/office/drawing/2014/main" id="{D96BFEE6-86D1-BAC1-DCFF-7D8D52F06DF7}"/>
-              </a:ext>
-            </a:extLst>
-          </p:cNvPr>
-          <p:cNvSpPr>
-            <a:spLocks noGrp="1"/>
-          </p:cNvSpPr>
-          <p:nvPr>
-            <p:ph type="title"/>
-          </p:nvPr>
-        </p:nvSpPr>
+      <p:pic>
+        <p:nvPicPr>
+          <p:cNvPr id="5" name="Content Placeholder 4" descr="People working on a computer">
+            <a:extLst>
+              <a:ext uri="{FF2B5EF4-FFF2-40B4-BE49-F238E27FC236}">
+                <a16:creationId xmlns:a16="http://schemas.microsoft.com/office/drawing/2014/main" id="{0D9EC8A1-DBFE-44B4-8068-007517189E09}"/>
+              </a:ext>
+            </a:extLst>
+          </p:cNvPr>
+          <p:cNvPicPr>
+            <a:picLocks noGrp="1" noChangeAspect="1"/>
+          </p:cNvPicPr>
+          <p:nvPr>
+            <p:ph sz="half" idx="1"/>
+          </p:nvPr>
+        </p:nvPicPr>
+        <p:blipFill>
+          <a:blip r:embed="rId3"/>
+          <a:srcRect l="33395" r="19434" b="-1"/>
+          <a:stretch/>
+        </p:blipFill>
         <p:spPr>
           <a:xfrm>
-            <a:off x="640080" y="914401"/>
-            <a:ext cx="4306824" cy="1477817"/>
+            <a:off x="7345680" y="10"/>
+            <a:ext cx="4846320" cy="6857990"/>
+          </a:xfrm>
+          <a:prstGeom prst="rect">
+            <a:avLst/>
+          </a:prstGeom>
+        </p:spPr>
+      </p:pic>
+      <p:sp>
+        <p:nvSpPr>
+          <p:cNvPr id="2" name="Title 1">
+            <a:extLst>
+              <a:ext uri="{FF2B5EF4-FFF2-40B4-BE49-F238E27FC236}">
+                <a16:creationId xmlns:a16="http://schemas.microsoft.com/office/drawing/2014/main" id="{D96BFEE6-86D1-BAC1-DCFF-7D8D52F06DF7}"/>
+              </a:ext>
+            </a:extLst>
+          </p:cNvPr>
+          <p:cNvSpPr>
+            <a:spLocks noGrp="1"/>
+          </p:cNvSpPr>
+          <p:nvPr>
+            <p:ph type="title"/>
+          </p:nvPr>
+        </p:nvSpPr>
+        <p:spPr>
+          <a:xfrm>
+            <a:off x="640080" y="1371600"/>
+            <a:ext cx="5852160" cy="1097280"/>
           </a:xfrm>
         </p:spPr>
         <p:txBody>
@@ -5779,8 +8092,8 @@
         </p:nvSpPr>
         <p:spPr>
           <a:xfrm>
-            <a:off x="5641848" y="1014984"/>
-            <a:ext cx="5889161" cy="5288267"/>
+            <a:off x="640080" y="2633236"/>
+            <a:ext cx="5852160" cy="3664685"/>
           </a:xfrm>
         </p:spPr>
         <p:txBody>
@@ -5790,64 +8103,82 @@
           <a:lstStyle/>
           <a:p>
             <a:pPr marL="0" indent="0">
+              <a:lnSpc>
+                <a:spcPct val="110000"/>
+              </a:lnSpc>
               <a:spcBef>
                 <a:spcPts val="2500"/>
               </a:spcBef>
               <a:buNone/>
             </a:pPr>
             <a:r>
-              <a:rPr lang="en-US" sz="1400" b="1"/>
+              <a:rPr lang="en-US" sz="1100" b="1"/>
               <a:t>Version Control</a:t>
             </a:r>
           </a:p>
           <a:p>
             <a:pPr marL="0" lvl="1" indent="0">
+              <a:lnSpc>
+                <a:spcPct val="110000"/>
+              </a:lnSpc>
               <a:buNone/>
             </a:pPr>
             <a:r>
-              <a:rPr lang="en-US" sz="1400"/>
+              <a:rPr lang="en-US" sz="1100"/>
               <a:t>Github provides a powerful version control system that allows developers to track changes to their code, ensuring that the codebase is always up-to-date and can be easily rolled back to a previous version if needed.</a:t>
             </a:r>
           </a:p>
           <a:p>
             <a:pPr marL="0" indent="0">
+              <a:lnSpc>
+                <a:spcPct val="110000"/>
+              </a:lnSpc>
               <a:spcBef>
                 <a:spcPts val="2500"/>
               </a:spcBef>
               <a:buNone/>
             </a:pPr>
             <a:r>
-              <a:rPr lang="en-US" sz="1400" b="1"/>
+              <a:rPr lang="en-US" sz="1100" b="1"/>
               <a:t>Collaboration</a:t>
             </a:r>
           </a:p>
           <a:p>
             <a:pPr marL="0" lvl="1" indent="0">
+              <a:lnSpc>
+                <a:spcPct val="110000"/>
+              </a:lnSpc>
               <a:buNone/>
             </a:pPr>
             <a:r>
-              <a:rPr lang="en-US" sz="1400"/>
+              <a:rPr lang="en-US" sz="1100"/>
               <a:t>Github makes it easy for developers to collaborate on code, even if they are working in different parts of the world. It provides tools for code reviews, issue tracking, and pull requests that make collaboration seamless and efficient.</a:t>
             </a:r>
           </a:p>
           <a:p>
             <a:pPr marL="0" indent="0">
+              <a:lnSpc>
+                <a:spcPct val="110000"/>
+              </a:lnSpc>
               <a:spcBef>
                 <a:spcPts val="2500"/>
               </a:spcBef>
               <a:buNone/>
             </a:pPr>
             <a:r>
-              <a:rPr lang="en-US" sz="1400" b="1"/>
+              <a:rPr lang="en-US" sz="1100" b="1"/>
               <a:t>Deployment</a:t>
             </a:r>
           </a:p>
           <a:p>
             <a:pPr marL="0" lvl="1" indent="0">
+              <a:lnSpc>
+                <a:spcPct val="110000"/>
+              </a:lnSpc>
               <a:buNone/>
             </a:pPr>
             <a:r>
-              <a:rPr lang="en-US" sz="1400"/>
+              <a:rPr lang="en-US" sz="1100"/>
               <a:t>Github provides a platform for developers to deploy their code to production environments, ensuring that the code is always available and accessible. It also provides tools for continuous integration and delivery, making the deployment process faster and more streamlined.</a:t>
             </a:r>
           </a:p>
@@ -5988,7 +8319,7 @@
       </p:grpSpPr>
       <p:cxnSp>
         <p:nvCxnSpPr>
-          <p:cNvPr id="10" name="Straight Connector 9">
+          <p:cNvPr id="28" name="Straight Connector 27">
             <a:extLst>
               <a:ext uri="{FF2B5EF4-FFF2-40B4-BE49-F238E27FC236}">
                 <a16:creationId xmlns:a16="http://schemas.microsoft.com/office/drawing/2014/main" id="{118E06E4-607B-144B-382B-AD3D06B1EE8C}"/>
@@ -6036,7 +8367,7 @@
       </p:cxnSp>
       <p:sp useBgFill="1">
         <p:nvSpPr>
-          <p:cNvPr id="12" name="Rectangle 11">
+          <p:cNvPr id="30" name="Rectangle 29">
             <a:extLst>
               <a:ext uri="{FF2B5EF4-FFF2-40B4-BE49-F238E27FC236}">
                 <a16:creationId xmlns:a16="http://schemas.microsoft.com/office/drawing/2014/main" id="{8FCE029E-5073-4498-8104-8427AA987352}"/>
@@ -6172,7 +8503,7 @@
       </p:pic>
       <p:cxnSp>
         <p:nvCxnSpPr>
-          <p:cNvPr id="14" name="Straight Connector 13">
+          <p:cNvPr id="32" name="Straight Connector 31">
             <a:extLst>
               <a:ext uri="{FF2B5EF4-FFF2-40B4-BE49-F238E27FC236}">
                 <a16:creationId xmlns:a16="http://schemas.microsoft.com/office/drawing/2014/main" id="{BEFF515C-2521-4964-9DAC-2BFB8EC86AE4}"/>
@@ -6298,7 +8629,7 @@
               <a:buNone/>
             </a:pPr>
             <a:r>
-              <a:rPr lang="en-US" sz="1400" b="1"/>
+              <a:rPr lang="en-US" b="1"/>
               <a:t>Create an Account</a:t>
             </a:r>
           </a:p>
@@ -6307,8 +8638,24 @@
               <a:buNone/>
             </a:pPr>
             <a:r>
-              <a:rPr lang="en-US" sz="1400"/>
-              <a:t>To get started with Github, you need to create an account. Github provides free accounts for personal use and paid plans for businesses and organizations.</a:t>
+              <a:rPr lang="en-US"/>
+              <a:t>To get started with </a:t>
+            </a:r>
+            <a:r>
+              <a:rPr lang="en-US" err="1"/>
+              <a:t>Github</a:t>
+            </a:r>
+            <a:r>
+              <a:rPr lang="en-US"/>
+              <a:t>, you need to create an account. </a:t>
+            </a:r>
+            <a:r>
+              <a:rPr lang="en-US" err="1"/>
+              <a:t>Github</a:t>
+            </a:r>
+            <a:r>
+              <a:rPr lang="en-US"/>
+              <a:t> provides free accounts for personal use and paid plans for businesses and organizations.</a:t>
             </a:r>
           </a:p>
           <a:p>
@@ -6319,7 +8666,7 @@
               <a:buNone/>
             </a:pPr>
             <a:r>
-              <a:rPr lang="en-US" sz="1400" b="1"/>
+              <a:rPr lang="en-US" b="1"/>
               <a:t>Create a Repository</a:t>
             </a:r>
           </a:p>
@@ -6328,8 +8675,16 @@
               <a:buNone/>
             </a:pPr>
             <a:r>
-              <a:rPr lang="en-US" sz="1400"/>
-              <a:t>A repository is a container for your code and files. You can create a new repository on Github in a few easy steps and start adding files to it.</a:t>
+              <a:rPr lang="en-US"/>
+              <a:t>A repository is a container for your code and files. You can create a new repository on </a:t>
+            </a:r>
+            <a:r>
+              <a:rPr lang="en-US" err="1"/>
+              <a:t>Github</a:t>
+            </a:r>
+            <a:r>
+              <a:rPr lang="en-US"/>
+              <a:t> in a few easy steps and start adding files to it.</a:t>
             </a:r>
           </a:p>
           <a:p>
@@ -6340,7 +8695,7 @@
               <a:buNone/>
             </a:pPr>
             <a:r>
-              <a:rPr lang="en-US" sz="1400" b="1"/>
+              <a:rPr lang="en-US" b="1"/>
               <a:t>Commit Changes</a:t>
             </a:r>
           </a:p>
@@ -6349,29 +8704,8 @@
               <a:buNone/>
             </a:pPr>
             <a:r>
-              <a:rPr lang="en-US" sz="1400"/>
+              <a:rPr lang="en-US"/>
               <a:t>After you have made changes to your code, you can commit those changes to your repository. This allows you to keep track of changes and roll back if needed.</a:t>
-            </a:r>
-          </a:p>
-          <a:p>
-            <a:pPr marL="0" indent="0">
-              <a:spcBef>
-                <a:spcPts val="2500"/>
-              </a:spcBef>
-              <a:buNone/>
-            </a:pPr>
-            <a:r>
-              <a:rPr lang="en-US" sz="1400" b="1"/>
-              <a:t>Collaboration Features</a:t>
-            </a:r>
-          </a:p>
-          <a:p>
-            <a:pPr marL="0" lvl="1" indent="0">
-              <a:buNone/>
-            </a:pPr>
-            <a:r>
-              <a:rPr lang="en-US" sz="1400"/>
-              <a:t>Github provides collaboration features, such as pull requests and issues, to help you work with others on a project. You can easily add collaborators, review code changes, and manage issues and bugs.</a:t>
             </a:r>
           </a:p>
         </p:txBody>
@@ -6487,6 +8821,129 @@
 <file path=ppt/slides/slide5.xml><?xml version="1.0" encoding="utf-8"?>
 <p:sld xmlns:a="http://schemas.openxmlformats.org/drawingml/2006/main" xmlns:r="http://schemas.openxmlformats.org/officeDocument/2006/relationships" xmlns:p="http://schemas.openxmlformats.org/presentationml/2006/main">
   <p:cSld>
+    <p:spTree>
+      <p:nvGrpSpPr>
+        <p:cNvPr id="1" name=""/>
+        <p:cNvGrpSpPr/>
+        <p:nvPr/>
+      </p:nvGrpSpPr>
+      <p:grpSpPr>
+        <a:xfrm>
+          <a:off x="0" y="0"/>
+          <a:ext cx="0" cy="0"/>
+          <a:chOff x="0" y="0"/>
+          <a:chExt cx="0" cy="0"/>
+        </a:xfrm>
+      </p:grpSpPr>
+      <p:sp>
+        <p:nvSpPr>
+          <p:cNvPr id="2" name="Title 1">
+            <a:extLst>
+              <a:ext uri="{FF2B5EF4-FFF2-40B4-BE49-F238E27FC236}">
+                <a16:creationId xmlns:a16="http://schemas.microsoft.com/office/drawing/2014/main" id="{FBE27323-111A-0B15-782B-C568E12360DB}"/>
+              </a:ext>
+            </a:extLst>
+          </p:cNvPr>
+          <p:cNvSpPr>
+            <a:spLocks noGrp="1"/>
+          </p:cNvSpPr>
+          <p:nvPr>
+            <p:ph type="title"/>
+          </p:nvPr>
+        </p:nvSpPr>
+        <p:spPr>
+          <a:xfrm>
+            <a:off x="640080" y="914399"/>
+            <a:ext cx="10847494" cy="1171069"/>
+          </a:xfrm>
+        </p:spPr>
+        <p:txBody>
+          <a:bodyPr vert="horz" lIns="91440" tIns="45720" rIns="91440" bIns="45720" rtlCol="0" anchor="t">
+            <a:normAutofit/>
+          </a:bodyPr>
+          <a:lstStyle/>
+          <a:p>
+            <a:r>
+              <a:rPr lang="en-US" dirty="0"/>
+              <a:t>Using Git Commit</a:t>
+            </a:r>
+          </a:p>
+        </p:txBody>
+      </p:sp>
+      <p:graphicFrame>
+        <p:nvGraphicFramePr>
+          <p:cNvPr id="7" name="Content Placeholder 3">
+            <a:extLst>
+              <a:ext uri="{FF2B5EF4-FFF2-40B4-BE49-F238E27FC236}">
+                <a16:creationId xmlns:a16="http://schemas.microsoft.com/office/drawing/2014/main" id="{3A822D4E-48EF-F2E9-BC97-5D1ABCAE384A}"/>
+              </a:ext>
+            </a:extLst>
+          </p:cNvPr>
+          <p:cNvGraphicFramePr>
+            <a:graphicFrameLocks noGrp="1"/>
+          </p:cNvGraphicFramePr>
+          <p:nvPr>
+            <p:ph sz="half" idx="2"/>
+          </p:nvPr>
+        </p:nvGraphicFramePr>
+        <p:xfrm>
+          <a:off x="6915150" y="2256287"/>
+          <a:ext cx="4563618" cy="3760459"/>
+        </p:xfrm>
+        <a:graphic>
+          <a:graphicData uri="http://schemas.openxmlformats.org/drawingml/2006/diagram">
+            <dgm:relIds xmlns:dgm="http://schemas.openxmlformats.org/drawingml/2006/diagram" xmlns:r="http://schemas.openxmlformats.org/officeDocument/2006/relationships" r:dm="rId3" r:lo="rId4" r:qs="rId5" r:cs="rId6"/>
+          </a:graphicData>
+        </a:graphic>
+      </p:graphicFrame>
+      <p:pic>
+        <p:nvPicPr>
+          <p:cNvPr id="5" name="Content Placeholder 4" descr="Professional Audio Mixer">
+            <a:extLst>
+              <a:ext uri="{FF2B5EF4-FFF2-40B4-BE49-F238E27FC236}">
+                <a16:creationId xmlns:a16="http://schemas.microsoft.com/office/drawing/2014/main" id="{2078D50D-EB07-47C2-8263-FECAA62C89D1}"/>
+              </a:ext>
+            </a:extLst>
+          </p:cNvPr>
+          <p:cNvPicPr>
+            <a:picLocks noGrp="1" noChangeAspect="1"/>
+          </p:cNvPicPr>
+          <p:nvPr>
+            <p:ph sz="half" idx="1"/>
+          </p:nvPr>
+        </p:nvPicPr>
+        <p:blipFill>
+          <a:blip r:embed="rId8"/>
+          <a:stretch>
+            <a:fillRect/>
+          </a:stretch>
+        </p:blipFill>
+        <p:spPr>
+          <a:xfrm>
+            <a:off x="713232" y="2256287"/>
+            <a:ext cx="5633646" cy="3760459"/>
+          </a:xfrm>
+          <a:prstGeom prst="rect">
+            <a:avLst/>
+          </a:prstGeom>
+        </p:spPr>
+      </p:pic>
+    </p:spTree>
+    <p:extLst>
+      <p:ext uri="{BB962C8B-B14F-4D97-AF65-F5344CB8AC3E}">
+        <p14:creationId xmlns:p14="http://schemas.microsoft.com/office/powerpoint/2010/main" val="3284990650"/>
+      </p:ext>
+    </p:extLst>
+  </p:cSld>
+  <p:clrMapOvr>
+    <a:masterClrMapping/>
+  </p:clrMapOvr>
+</p:sld>
+</file>
+
+<file path=ppt/slides/slide6.xml><?xml version="1.0" encoding="utf-8"?>
+<p:sld xmlns:a="http://schemas.openxmlformats.org/drawingml/2006/main" xmlns:r="http://schemas.openxmlformats.org/officeDocument/2006/relationships" xmlns:p="http://schemas.openxmlformats.org/presentationml/2006/main">
+  <p:cSld>
     <p:bg>
       <p:bgPr>
         <a:solidFill>
@@ -6511,7 +8968,7 @@
       </p:grpSpPr>
       <p:cxnSp>
         <p:nvCxnSpPr>
-          <p:cNvPr id="10" name="Straight Connector 9">
+          <p:cNvPr id="25" name="Straight Connector 24">
             <a:extLst>
               <a:ext uri="{FF2B5EF4-FFF2-40B4-BE49-F238E27FC236}">
                 <a16:creationId xmlns:a16="http://schemas.microsoft.com/office/drawing/2014/main" id="{118E06E4-607B-144B-382B-AD3D06B1EE8C}"/>
@@ -6559,7 +9016,7 @@
       </p:cxnSp>
       <p:sp useBgFill="1">
         <p:nvSpPr>
-          <p:cNvPr id="12" name="Rectangle 11">
+          <p:cNvPr id="26" name="Rectangle 25">
             <a:extLst>
               <a:ext uri="{FF2B5EF4-FFF2-40B4-BE49-F238E27FC236}">
                 <a16:creationId xmlns:a16="http://schemas.microsoft.com/office/drawing/2014/main" id="{744CAA32-F237-419C-A2DD-43C28D920D3C}"/>
@@ -6633,43 +9090,104 @@
           </a:p>
         </p:txBody>
       </p:sp>
-      <p:pic>
-        <p:nvPicPr>
-          <p:cNvPr id="5" name="Content Placeholder 4" descr="Chat Artificial Intelligence Chatbot Technology, AI Conversation Automation">
-            <a:extLst>
-              <a:ext uri="{FF2B5EF4-FFF2-40B4-BE49-F238E27FC236}">
-                <a16:creationId xmlns:a16="http://schemas.microsoft.com/office/drawing/2014/main" id="{BD782F0E-99EE-43D7-A585-EC4F53E58437}"/>
-              </a:ext>
-            </a:extLst>
-          </p:cNvPr>
-          <p:cNvPicPr>
-            <a:picLocks noGrp="1" noChangeAspect="1"/>
-          </p:cNvPicPr>
-          <p:nvPr>
-            <p:ph sz="half" idx="1"/>
-          </p:nvPr>
-        </p:nvPicPr>
-        <p:blipFill>
-          <a:blip r:embed="rId3"/>
-          <a:srcRect l="17673" r="6333" b="1"/>
-          <a:stretch/>
-        </p:blipFill>
+      <p:sp>
+        <p:nvSpPr>
+          <p:cNvPr id="2" name="Title 1">
+            <a:extLst>
+              <a:ext uri="{FF2B5EF4-FFF2-40B4-BE49-F238E27FC236}">
+                <a16:creationId xmlns:a16="http://schemas.microsoft.com/office/drawing/2014/main" id="{C331E040-4E58-F648-F5CB-3044FF05E6C5}"/>
+              </a:ext>
+            </a:extLst>
+          </p:cNvPr>
+          <p:cNvSpPr>
+            <a:spLocks noGrp="1"/>
+          </p:cNvSpPr>
+          <p:nvPr>
+            <p:ph type="title"/>
+          </p:nvPr>
+        </p:nvSpPr>
         <p:spPr>
           <a:xfrm>
-            <a:off x="20" y="535709"/>
-            <a:ext cx="8229580" cy="5820640"/>
+            <a:off x="640080" y="1371600"/>
+            <a:ext cx="5737859" cy="1097280"/>
           </a:xfrm>
-          <a:prstGeom prst="rect">
-            <a:avLst/>
-          </a:prstGeom>
         </p:spPr>
-      </p:pic>
+        <p:txBody>
+          <a:bodyPr vert="horz" lIns="91440" tIns="45720" rIns="91440" bIns="45720" rtlCol="0" anchor="t">
+            <a:normAutofit/>
+          </a:bodyPr>
+          <a:lstStyle/>
+          <a:p>
+            <a:r>
+              <a:rPr lang="en-US"/>
+              <a:t>Conclusion</a:t>
+            </a:r>
+          </a:p>
+        </p:txBody>
+      </p:sp>
+      <p:sp>
+        <p:nvSpPr>
+          <p:cNvPr id="4" name="Content Placeholder 3">
+            <a:extLst>
+              <a:ext uri="{FF2B5EF4-FFF2-40B4-BE49-F238E27FC236}">
+                <a16:creationId xmlns:a16="http://schemas.microsoft.com/office/drawing/2014/main" id="{0801BE46-6E3A-3EC5-8E78-C5D3859A1757}"/>
+              </a:ext>
+            </a:extLst>
+          </p:cNvPr>
+          <p:cNvSpPr>
+            <a:spLocks noGrp="1"/>
+          </p:cNvSpPr>
+          <p:nvPr>
+            <p:ph sz="half" idx="2"/>
+            <p:extLst>
+              <p:ext uri="{E7BDC344-281C-4309-B0C6-D0EE65EED2A8}">
+                <p202:designPr xmlns:p202="http://schemas.microsoft.com/office/powerpoint/2020/02/main">
+                  <p202:designTagLst>
+                    <p202:designTag name="ARCH:1:CLS" val="InformationBlock"/>
+                    <p202:designTag name="ARCH:1:VSVAR" val="TitledTextBox"/>
+                  </p202:designTagLst>
+                </p202:designPr>
+              </p:ext>
+            </p:extLst>
+          </p:nvPr>
+        </p:nvSpPr>
+        <p:spPr>
+          <a:xfrm>
+            <a:off x="640080" y="2633236"/>
+            <a:ext cx="5737860" cy="3666980"/>
+          </a:xfrm>
+        </p:spPr>
+        <p:txBody>
+          <a:bodyPr>
+            <a:normAutofit/>
+          </a:bodyPr>
+          <a:lstStyle/>
+          <a:p>
+            <a:pPr marL="0" indent="0">
+              <a:spcBef>
+                <a:spcPts val="2500"/>
+              </a:spcBef>
+              <a:buNone/>
+            </a:pPr>
+            <a:endParaRPr lang="en-US" b="1"/>
+          </a:p>
+          <a:p>
+            <a:pPr marL="0" lvl="1" indent="0">
+              <a:buNone/>
+            </a:pPr>
+            <a:r>
+              <a:rPr lang="en-US"/>
+              <a:t>Github is a powerful tool for software developers to work collaboratively. It provides version control and collaboration features that make it easy to work on projects with others.</a:t>
+            </a:r>
+          </a:p>
+        </p:txBody>
+      </p:sp>
       <p:cxnSp>
         <p:nvCxnSpPr>
-          <p:cNvPr id="14" name="Straight Connector 13">
-            <a:extLst>
-              <a:ext uri="{FF2B5EF4-FFF2-40B4-BE49-F238E27FC236}">
-                <a16:creationId xmlns:a16="http://schemas.microsoft.com/office/drawing/2014/main" id="{02C7985C-B0C3-CC50-E86A-B5EBA40E01DF}"/>
+          <p:cNvPr id="27" name="Straight Connector 26">
+            <a:extLst>
+              <a:ext uri="{FF2B5EF4-FFF2-40B4-BE49-F238E27FC236}">
+                <a16:creationId xmlns:a16="http://schemas.microsoft.com/office/drawing/2014/main" id="{753FE100-D0AB-4AE2-824B-60CFA31EC6A2}"/>
               </a:ext>
               <a:ext uri="{C183D7F6-B498-43B3-948B-1728B52AA6E4}">
                 <adec:decorative xmlns:adec="http://schemas.microsoft.com/office/drawing/2017/decorative" val="1"/>
@@ -6689,8 +9207,8 @@
         </p:nvCxnSpPr>
         <p:spPr>
           <a:xfrm>
-            <a:off x="-1" y="6359240"/>
-            <a:ext cx="8229600" cy="0"/>
+            <a:off x="713232" y="1031001"/>
+            <a:ext cx="978862" cy="0"/>
           </a:xfrm>
           <a:prstGeom prst="line">
             <a:avLst/>
@@ -6712,98 +9230,37 @@
           </a:fontRef>
         </p:style>
       </p:cxnSp>
-      <p:sp>
-        <p:nvSpPr>
-          <p:cNvPr id="2" name="Title 1">
-            <a:extLst>
-              <a:ext uri="{FF2B5EF4-FFF2-40B4-BE49-F238E27FC236}">
-                <a16:creationId xmlns:a16="http://schemas.microsoft.com/office/drawing/2014/main" id="{C331E040-4E58-F648-F5CB-3044FF05E6C5}"/>
-              </a:ext>
-            </a:extLst>
-          </p:cNvPr>
-          <p:cNvSpPr>
-            <a:spLocks noGrp="1"/>
-          </p:cNvSpPr>
-          <p:nvPr>
-            <p:ph type="title"/>
-          </p:nvPr>
-        </p:nvSpPr>
+      <p:pic>
+        <p:nvPicPr>
+          <p:cNvPr id="5" name="Content Placeholder 4" descr="Chat Artificial Intelligence Chatbot Technology, AI Conversation Automation">
+            <a:extLst>
+              <a:ext uri="{FF2B5EF4-FFF2-40B4-BE49-F238E27FC236}">
+                <a16:creationId xmlns:a16="http://schemas.microsoft.com/office/drawing/2014/main" id="{BD782F0E-99EE-43D7-A585-EC4F53E58437}"/>
+              </a:ext>
+            </a:extLst>
+          </p:cNvPr>
+          <p:cNvPicPr>
+            <a:picLocks noGrp="1" noChangeAspect="1"/>
+          </p:cNvPicPr>
+          <p:nvPr>
+            <p:ph sz="half" idx="1"/>
+          </p:nvPr>
+        </p:nvPicPr>
+        <p:blipFill>
+          <a:blip r:embed="rId3"/>
+          <a:srcRect l="17673" r="6333" b="1"/>
+          <a:stretch/>
+        </p:blipFill>
         <p:spPr>
           <a:xfrm>
-            <a:off x="8719126" y="979051"/>
-            <a:ext cx="2811879" cy="1807048"/>
+            <a:off x="7155179" y="3205256"/>
+            <a:ext cx="4375829" cy="3094960"/>
           </a:xfrm>
+          <a:prstGeom prst="rect">
+            <a:avLst/>
+          </a:prstGeom>
         </p:spPr>
-        <p:txBody>
-          <a:bodyPr vert="horz" lIns="91440" tIns="45720" rIns="91440" bIns="45720" rtlCol="0" anchor="b">
-            <a:normAutofit/>
-          </a:bodyPr>
-          <a:lstStyle/>
-          <a:p>
-            <a:r>
-              <a:rPr lang="en-US" sz="3600"/>
-              <a:t>Conclusion</a:t>
-            </a:r>
-          </a:p>
-        </p:txBody>
-      </p:sp>
-      <p:sp>
-        <p:nvSpPr>
-          <p:cNvPr id="4" name="Content Placeholder 3">
-            <a:extLst>
-              <a:ext uri="{FF2B5EF4-FFF2-40B4-BE49-F238E27FC236}">
-                <a16:creationId xmlns:a16="http://schemas.microsoft.com/office/drawing/2014/main" id="{0801BE46-6E3A-3EC5-8E78-C5D3859A1757}"/>
-              </a:ext>
-            </a:extLst>
-          </p:cNvPr>
-          <p:cNvSpPr>
-            <a:spLocks noGrp="1"/>
-          </p:cNvSpPr>
-          <p:nvPr>
-            <p:ph sz="half" idx="2"/>
-            <p:extLst>
-              <p:ext uri="{E7BDC344-281C-4309-B0C6-D0EE65EED2A8}">
-                <p202:designPr xmlns:p202="http://schemas.microsoft.com/office/powerpoint/2020/02/main">
-                  <p202:designTagLst>
-                    <p202:designTag name="ARCH:1:CLS" val="InformationBlock"/>
-                    <p202:designTag name="ARCH:1:VSVAR" val="TitledTextBox"/>
-                  </p202:designTagLst>
-                </p202:designPr>
-              </p:ext>
-            </p:extLst>
-          </p:nvPr>
-        </p:nvSpPr>
-        <p:spPr>
-          <a:xfrm>
-            <a:off x="8719128" y="2922624"/>
-            <a:ext cx="2811880" cy="3409950"/>
-          </a:xfrm>
-        </p:spPr>
-        <p:txBody>
-          <a:bodyPr>
-            <a:normAutofit/>
-          </a:bodyPr>
-          <a:lstStyle/>
-          <a:p>
-            <a:pPr marL="0" indent="0">
-              <a:spcBef>
-                <a:spcPts val="2500"/>
-              </a:spcBef>
-              <a:buNone/>
-            </a:pPr>
-            <a:endParaRPr lang="en-US" sz="1400" b="1"/>
-          </a:p>
-          <a:p>
-            <a:pPr marL="0" lvl="1" indent="0">
-              <a:buNone/>
-            </a:pPr>
-            <a:r>
-              <a:rPr lang="en-US" sz="1400"/>
-              <a:t>Github is a powerful tool for software developers to work collaboratively. It provides version control and collaboration features that make it easy to work on projects with others.</a:t>
-            </a:r>
-          </a:p>
-        </p:txBody>
-      </p:sp>
+      </p:pic>
     </p:spTree>
     <p:extLst>
       <p:ext uri="{BB962C8B-B14F-4D97-AF65-F5344CB8AC3E}">
